--- a/Sample1_Exploratory.Data.Analysis/eda.presentation.pptx
+++ b/Sample1_Exploratory.Data.Analysis/eda.presentation.pptx
@@ -5,7 +5,7 @@
     <p:sldMasterId id="2147483684" r:id="rId1"/>
   </p:sldMasterIdLst>
   <p:notesMasterIdLst>
-    <p:notesMasterId r:id="rId40"/>
+    <p:notesMasterId r:id="rId41"/>
   </p:notesMasterIdLst>
   <p:sldIdLst>
     <p:sldId id="256" r:id="rId2"/>
@@ -46,6 +46,7 @@
     <p:sldId id="330" r:id="rId37"/>
     <p:sldId id="331" r:id="rId38"/>
     <p:sldId id="334" r:id="rId39"/>
+    <p:sldId id="336" r:id="rId40"/>
   </p:sldIdLst>
   <p:sldSz cx="12192000" cy="6858000"/>
   <p:notesSz cx="6858000" cy="9144000"/>
@@ -234,7 +235,7 @@
           <a:p>
             <a:fld id="{F999326D-4D12-48D9-B725-3EA92DBB0C53}" type="datetimeFigureOut">
               <a:rPr lang="en-US" smtClean="0"/>
-              <a:t>8/19/2023</a:t>
+              <a:t>11/25/2023</a:t>
             </a:fld>
             <a:endParaRPr lang="en-US"/>
           </a:p>
@@ -630,7 +631,7 @@
           <a:p>
             <a:fld id="{C764DE79-268F-4C1A-8933-263129D2AF90}" type="datetimeFigureOut">
               <a:rPr lang="en-US" dirty="0"/>
-              <a:t>8/19/2023</a:t>
+              <a:t>11/25/2023</a:t>
             </a:fld>
             <a:endParaRPr lang="en-US"/>
           </a:p>
@@ -798,7 +799,7 @@
           <a:p>
             <a:fld id="{C764DE79-268F-4C1A-8933-263129D2AF90}" type="datetimeFigureOut">
               <a:rPr lang="en-US" dirty="0"/>
-              <a:t>8/19/2023</a:t>
+              <a:t>11/25/2023</a:t>
             </a:fld>
             <a:endParaRPr lang="en-US"/>
           </a:p>
@@ -976,7 +977,7 @@
           <a:p>
             <a:fld id="{C764DE79-268F-4C1A-8933-263129D2AF90}" type="datetimeFigureOut">
               <a:rPr lang="en-US" dirty="0"/>
-              <a:t>8/19/2023</a:t>
+              <a:t>11/25/2023</a:t>
             </a:fld>
             <a:endParaRPr lang="en-US"/>
           </a:p>
@@ -1144,7 +1145,7 @@
           <a:p>
             <a:fld id="{C764DE79-268F-4C1A-8933-263129D2AF90}" type="datetimeFigureOut">
               <a:rPr lang="en-US" dirty="0"/>
-              <a:t>8/19/2023</a:t>
+              <a:t>11/25/2023</a:t>
             </a:fld>
             <a:endParaRPr lang="en-US"/>
           </a:p>
@@ -1389,7 +1390,7 @@
           <a:p>
             <a:fld id="{C764DE79-268F-4C1A-8933-263129D2AF90}" type="datetimeFigureOut">
               <a:rPr lang="en-US" dirty="0"/>
-              <a:t>8/19/2023</a:t>
+              <a:t>11/25/2023</a:t>
             </a:fld>
             <a:endParaRPr lang="en-US"/>
           </a:p>
@@ -1618,7 +1619,7 @@
           <a:p>
             <a:fld id="{C764DE79-268F-4C1A-8933-263129D2AF90}" type="datetimeFigureOut">
               <a:rPr lang="en-US" dirty="0"/>
-              <a:t>8/19/2023</a:t>
+              <a:t>11/25/2023</a:t>
             </a:fld>
             <a:endParaRPr lang="en-US"/>
           </a:p>
@@ -1982,7 +1983,7 @@
           <a:p>
             <a:fld id="{C764DE79-268F-4C1A-8933-263129D2AF90}" type="datetimeFigureOut">
               <a:rPr lang="en-US" dirty="0"/>
-              <a:t>8/19/2023</a:t>
+              <a:t>11/25/2023</a:t>
             </a:fld>
             <a:endParaRPr lang="en-US"/>
           </a:p>
@@ -2099,7 +2100,7 @@
           <a:p>
             <a:fld id="{C764DE79-268F-4C1A-8933-263129D2AF90}" type="datetimeFigureOut">
               <a:rPr lang="en-US" dirty="0"/>
-              <a:t>8/19/2023</a:t>
+              <a:t>11/25/2023</a:t>
             </a:fld>
             <a:endParaRPr lang="en-US"/>
           </a:p>
@@ -2194,7 +2195,7 @@
           <a:p>
             <a:fld id="{C764DE79-268F-4C1A-8933-263129D2AF90}" type="datetimeFigureOut">
               <a:rPr lang="en-US" dirty="0"/>
-              <a:t>8/19/2023</a:t>
+              <a:t>11/25/2023</a:t>
             </a:fld>
             <a:endParaRPr lang="en-US"/>
           </a:p>
@@ -2469,7 +2470,7 @@
           <a:p>
             <a:fld id="{C764DE79-268F-4C1A-8933-263129D2AF90}" type="datetimeFigureOut">
               <a:rPr lang="en-US" dirty="0"/>
-              <a:t>8/19/2023</a:t>
+              <a:t>11/25/2023</a:t>
             </a:fld>
             <a:endParaRPr lang="en-US"/>
           </a:p>
@@ -2724,7 +2725,7 @@
           <a:p>
             <a:fld id="{C764DE79-268F-4C1A-8933-263129D2AF90}" type="datetimeFigureOut">
               <a:rPr lang="en-US" dirty="0"/>
-              <a:t>8/19/2023</a:t>
+              <a:t>11/25/2023</a:t>
             </a:fld>
             <a:endParaRPr lang="en-US"/>
           </a:p>
@@ -2935,7 +2936,7 @@
           <a:p>
             <a:fld id="{C764DE79-268F-4C1A-8933-263129D2AF90}" type="datetimeFigureOut">
               <a:rPr lang="en-US" dirty="0"/>
-              <a:t>8/19/2023</a:t>
+              <a:t>11/25/2023</a:t>
             </a:fld>
             <a:endParaRPr lang="en-US"/>
           </a:p>
@@ -3398,8 +3399,8 @@
         </p:nvSpPr>
         <p:spPr>
           <a:xfrm>
-            <a:off x="1151514" y="1864840"/>
-            <a:ext cx="9537739" cy="2769989"/>
+            <a:off x="2600940" y="2182505"/>
+            <a:ext cx="6990119" cy="2492990"/>
           </a:xfrm>
           <a:prstGeom prst="rect">
             <a:avLst/>
@@ -3415,10 +3416,11 @@
           <a:lstStyle/>
           <a:p>
             <a:r>
-              <a:rPr lang="en-US" sz="6600" dirty="0">
+              <a:rPr lang="en-US" sz="4800" dirty="0">
                 <a:solidFill>
                   <a:srgbClr val="FF6600"/>
                 </a:solidFill>
+                <a:latin typeface="+mj-lt"/>
               </a:rPr>
               <a:t>PINK CAB or YELLOW CAB ?</a:t>
             </a:r>
@@ -3452,7 +3454,7 @@
         <p:spPr>
           <a:xfrm>
             <a:off x="561315" y="5106154"/>
-            <a:ext cx="5975287" cy="954107"/>
+            <a:ext cx="5975287" cy="830997"/>
           </a:xfrm>
           <a:prstGeom prst="rect">
             <a:avLst/>
@@ -3466,20 +3468,22 @@
           <a:lstStyle/>
           <a:p>
             <a:r>
-              <a:rPr lang="en-US" sz="2800" dirty="0">
+              <a:rPr lang="en-US" sz="2400" dirty="0">
                 <a:solidFill>
                   <a:schemeClr val="accent2"/>
                 </a:solidFill>
+                <a:latin typeface="+mj-lt"/>
               </a:rPr>
               <a:t>ANALYSIS BY: ANDREW O’DRAIN</a:t>
             </a:r>
           </a:p>
           <a:p>
             <a:r>
-              <a:rPr lang="en-US" sz="2800" dirty="0">
+              <a:rPr lang="en-US" sz="2400" dirty="0">
                 <a:solidFill>
                   <a:schemeClr val="accent2"/>
                 </a:solidFill>
+                <a:latin typeface="+mj-lt"/>
               </a:rPr>
               <a:t>DATE: 08-21-2023</a:t>
             </a:r>
@@ -7835,7 +7839,7 @@
             </a:pPr>
             <a:r>
               <a:rPr lang="en-US" dirty="0"/>
-              <a:t>YELLOW CAB IS MORE PROFITABLE THAN PINK CAB</a:t>
+              <a:t>YELLOW CAB IS OVERALL MORE PROFITABLE THAN PINK CAB</a:t>
             </a:r>
           </a:p>
         </p:txBody>
@@ -10589,7 +10593,7 @@
         <p:spPr>
           <a:xfrm>
             <a:off x="2602026" y="4254884"/>
-            <a:ext cx="6583512" cy="1200329"/>
+            <a:ext cx="6583512" cy="2031325"/>
           </a:xfrm>
           <a:prstGeom prst="rect">
             <a:avLst/>
@@ -10627,6 +10631,27 @@
               <a:rPr lang="en-US" dirty="0"/>
               <a:t>IMPLYING A LESS EFFICIENT OPERATION</a:t>
             </a:r>
+          </a:p>
+          <a:p>
+            <a:pPr marL="285750" indent="-285750" algn="ctr">
+              <a:buFont typeface="Wingdings" panose="05000000000000000000" pitchFamily="2" charset="2"/>
+              <a:buChar char="v"/>
+            </a:pPr>
+            <a:endParaRPr lang="en-US" dirty="0"/>
+          </a:p>
+          <a:p>
+            <a:pPr marL="285750" indent="-285750" algn="ctr">
+              <a:buFont typeface="Wingdings" panose="05000000000000000000" pitchFamily="2" charset="2"/>
+              <a:buChar char="v"/>
+            </a:pPr>
+            <a:r>
+              <a:rPr lang="en-US" dirty="0"/>
+              <a:t>NOTE: LOOSE SCATTER IS NOT STRICTLY DUE TO SAMPLE SIZE</a:t>
+            </a:r>
+          </a:p>
+          <a:p>
+            <a:pPr algn="ctr"/>
+            <a:endParaRPr lang="en-US" dirty="0"/>
           </a:p>
         </p:txBody>
       </p:sp>
@@ -10726,8 +10751,8 @@
         </p:nvSpPr>
         <p:spPr>
           <a:xfrm rot="5400000">
-            <a:off x="-2394960" y="2394959"/>
-            <a:ext cx="6858002" cy="2068083"/>
+            <a:off x="-2330867" y="2330866"/>
+            <a:ext cx="6858002" cy="2196269"/>
           </a:xfrm>
           <a:solidFill>
             <a:srgbClr val="3B3B3B"/>
@@ -10747,7 +10772,7 @@
               <a:rPr lang="en-US" dirty="0"/>
             </a:br>
             <a:r>
-              <a:rPr lang="en-US" sz="2400" b="1" dirty="0">
+              <a:rPr lang="en-US" sz="2800" b="1" dirty="0">
                 <a:solidFill>
                   <a:srgbClr val="FF6600"/>
                 </a:solidFill>
@@ -10755,14 +10780,14 @@
               <a:t>EXECUTIVE</a:t>
             </a:r>
             <a:br>
-              <a:rPr lang="en-US" b="1" dirty="0">
+              <a:rPr lang="en-US" sz="2800" b="1" dirty="0">
                 <a:solidFill>
                   <a:srgbClr val="FF6600"/>
                 </a:solidFill>
               </a:rPr>
             </a:br>
             <a:r>
-              <a:rPr lang="en-US" sz="2400" b="1" dirty="0">
+              <a:rPr lang="en-US" sz="2800" b="1" dirty="0">
                 <a:solidFill>
                   <a:srgbClr val="FF6600"/>
                 </a:solidFill>
@@ -10832,15 +10857,9 @@
         </p:spPr>
         <p:txBody>
           <a:bodyPr>
-            <a:normAutofit fontScale="92500" lnSpcReduction="10000"/>
+            <a:normAutofit lnSpcReduction="10000"/>
           </a:bodyPr>
           <a:lstStyle/>
-          <a:p>
-            <a:r>
-              <a:rPr lang="en-US" sz="1800" b="1" dirty="0"/>
-              <a:t>EXECUTIVE SUMMARY</a:t>
-            </a:r>
-          </a:p>
           <a:p>
             <a:pPr algn="l"/>
             <a:endParaRPr lang="en-US" sz="1800" b="1" dirty="0"/>
@@ -10851,8 +10870,12 @@
               <a:buChar char="Ø"/>
             </a:pPr>
             <a:r>
+              <a:rPr lang="en-US" sz="1700" b="1" dirty="0"/>
+              <a:t>AN AD-HOC ANALYSIS OF </a:t>
+            </a:r>
+            <a:r>
               <a:rPr lang="en-US" sz="1600" b="1" dirty="0"/>
-              <a:t>AN AD-HOC ANALYSIS OF PINK &amp; YELLOW CAB YIELDED INTERESTING &amp; USEFUL INSIGHTS</a:t>
+              <a:t>PINK &amp; YELLOW CAB YIELDED INTERESTING &amp; USEFUL INSIGHTS</a:t>
             </a:r>
           </a:p>
           <a:p>
@@ -10868,7 +10891,7 @@
               <a:buChar char="Ø"/>
             </a:pPr>
             <a:r>
-              <a:rPr lang="en-US" sz="1600" b="1" dirty="0"/>
+              <a:rPr lang="en-US" sz="1700" b="1" dirty="0"/>
               <a:t>KEY FINDINGS:</a:t>
             </a:r>
           </a:p>
@@ -10893,7 +10916,7 @@
             </a:pPr>
             <a:r>
               <a:rPr lang="en-US" sz="1400" dirty="0"/>
-              <a:t>YELLOW CAB DOMINATES CUSTOMER RECIDIVISM </a:t>
+              <a:t>YELLOW CAB SEEMS TO LEAN IN CUSTOMER RECIDIVISM </a:t>
             </a:r>
           </a:p>
           <a:p>
@@ -10966,7 +10989,7 @@
               <a:buChar char="Ø"/>
             </a:pPr>
             <a:r>
-              <a:rPr lang="en-US" sz="1600" b="1" dirty="0"/>
+              <a:rPr lang="en-US" sz="1700" b="1" dirty="0"/>
               <a:t>THESE INSIGHTS WILL AID ‘XYZ’ IN MAKING A FINAL DECISION ON WHICH COMPANY TO ACQUIRE</a:t>
             </a:r>
           </a:p>
@@ -10980,7 +11003,7 @@
               <a:buChar char="Ø"/>
             </a:pPr>
             <a:r>
-              <a:rPr lang="en-US" sz="1600" b="1" dirty="0"/>
+              <a:rPr lang="en-US" sz="1700" b="1" dirty="0"/>
               <a:t>DATA THAT WAS UTILIZED?</a:t>
             </a:r>
           </a:p>
@@ -11186,13 +11209,20 @@
                 </a:solidFill>
               </a:rPr>
             </a:br>
+            <a:br>
+              <a:rPr lang="en-US" sz="5400" b="1" dirty="0">
+                <a:solidFill>
+                  <a:srgbClr val="FF6600"/>
+                </a:solidFill>
+              </a:rPr>
+            </a:br>
             <a:r>
-              <a:rPr lang="en-US" sz="5400" b="1" dirty="0">
+              <a:rPr lang="en-US" sz="3200" b="1" dirty="0">
                 <a:solidFill>
                   <a:srgbClr val="FF6600"/>
                 </a:solidFill>
               </a:rPr>
-              <a:t>RIDERSHIP</a:t>
+              <a:t>RIDERSHIP &amp; RECIDIVISM</a:t>
             </a:r>
           </a:p>
         </p:txBody>
@@ -11862,7 +11892,7 @@
         <p:spPr>
           <a:xfrm>
             <a:off x="2804243" y="4955104"/>
-            <a:ext cx="6583512" cy="646331"/>
+            <a:ext cx="6583512" cy="1477328"/>
           </a:xfrm>
           <a:prstGeom prst="rect">
             <a:avLst/>
@@ -11882,6 +11912,23 @@
             <a:r>
               <a:rPr lang="en-US" dirty="0"/>
               <a:t>75% OF CLIENTS WHO ONLY RIDE WITH PINK CAB WHERE ONE TIME CUSTOMERS OVER A THREE-YEAR PERIOD</a:t>
+            </a:r>
+          </a:p>
+          <a:p>
+            <a:pPr marL="285750" indent="-285750" algn="ctr">
+              <a:buFont typeface="Wingdings" panose="05000000000000000000" pitchFamily="2" charset="2"/>
+              <a:buChar char="v"/>
+            </a:pPr>
+            <a:endParaRPr lang="en-US" dirty="0"/>
+          </a:p>
+          <a:p>
+            <a:pPr marL="285750" indent="-285750" algn="ctr">
+              <a:buFont typeface="Wingdings" panose="05000000000000000000" pitchFamily="2" charset="2"/>
+              <a:buChar char="v"/>
+            </a:pPr>
+            <a:r>
+              <a:rPr lang="en-US" dirty="0"/>
+              <a:t>THIS IMPLIES A LESS ESTABLISHED CUSTOMER-BASE THAN YELLOW CAB</a:t>
             </a:r>
           </a:p>
         </p:txBody>
@@ -12563,7 +12610,7 @@
         <p:spPr>
           <a:xfrm>
             <a:off x="2804243" y="4955104"/>
-            <a:ext cx="6583512" cy="646331"/>
+            <a:ext cx="6583512" cy="1477328"/>
           </a:xfrm>
           <a:prstGeom prst="rect">
             <a:avLst/>
@@ -12583,6 +12630,23 @@
             <a:r>
               <a:rPr lang="en-US" dirty="0"/>
               <a:t>49% OF CLIENTS WHO ONLY RIDE WITH YELLOW CAB WHERE ONE TIME CUSTOMERS OVER A THREE-YEAR PERIOD</a:t>
+            </a:r>
+          </a:p>
+          <a:p>
+            <a:pPr marL="285750" indent="-285750" algn="ctr">
+              <a:buFont typeface="Wingdings" panose="05000000000000000000" pitchFamily="2" charset="2"/>
+              <a:buChar char="v"/>
+            </a:pPr>
+            <a:endParaRPr lang="en-US" dirty="0"/>
+          </a:p>
+          <a:p>
+            <a:pPr marL="285750" indent="-285750" algn="ctr">
+              <a:buFont typeface="Wingdings" panose="05000000000000000000" pitchFamily="2" charset="2"/>
+              <a:buChar char="v"/>
+            </a:pPr>
+            <a:r>
+              <a:rPr lang="en-US" dirty="0"/>
+              <a:t>THIS IMPLIES A MORE ESTABLISHED CUSTOMER-BASE THAN PINK CAB</a:t>
             </a:r>
           </a:p>
         </p:txBody>
@@ -14001,7 +14065,7 @@
             </a:pPr>
             <a:r>
               <a:rPr lang="en-US" dirty="0"/>
-              <a:t>FROM THESE NUMBERS WE CAN INFER THAT CLIENTS PREFER YELLOW CAB</a:t>
+              <a:t>THIS COULD BE EVIDENCE OF PREFERENCE FOR PINK CAB AMONG THE DUAL RIDERSHIP</a:t>
             </a:r>
           </a:p>
         </p:txBody>
@@ -17129,8 +17193,8 @@
         </p:nvSpPr>
         <p:spPr>
           <a:xfrm rot="5400000">
-            <a:off x="-2394960" y="2394959"/>
-            <a:ext cx="6858002" cy="2068083"/>
+            <a:off x="-2330867" y="2330866"/>
+            <a:ext cx="6858002" cy="2196269"/>
           </a:xfrm>
           <a:solidFill>
             <a:srgbClr val="3B3B3B"/>
@@ -17150,7 +17214,7 @@
               <a:rPr lang="en-US" dirty="0"/>
             </a:br>
             <a:r>
-              <a:rPr lang="en-US" sz="2400" b="1" dirty="0">
+              <a:rPr lang="en-US" sz="2800" b="1" dirty="0">
                 <a:solidFill>
                   <a:srgbClr val="FF6600"/>
                 </a:solidFill>
@@ -17158,14 +17222,14 @@
               <a:t>EXECUTIVE</a:t>
             </a:r>
             <a:br>
-              <a:rPr lang="en-US" b="1" dirty="0">
+              <a:rPr lang="en-US" sz="2800" b="1" dirty="0">
                 <a:solidFill>
                   <a:srgbClr val="FF6600"/>
                 </a:solidFill>
               </a:rPr>
             </a:br>
             <a:r>
-              <a:rPr lang="en-US" sz="2400" b="1" dirty="0">
+              <a:rPr lang="en-US" sz="2800" b="1" dirty="0">
                 <a:solidFill>
                   <a:srgbClr val="FF6600"/>
                 </a:solidFill>
@@ -17229,21 +17293,15 @@
         </p:nvSpPr>
         <p:spPr>
           <a:xfrm>
-            <a:off x="2310213" y="149536"/>
+            <a:off x="2626408" y="734931"/>
             <a:ext cx="9144000" cy="6413633"/>
           </a:xfrm>
         </p:spPr>
         <p:txBody>
           <a:bodyPr>
-            <a:normAutofit lnSpcReduction="10000"/>
+            <a:normAutofit fontScale="92500" lnSpcReduction="20000"/>
           </a:bodyPr>
           <a:lstStyle/>
-          <a:p>
-            <a:r>
-              <a:rPr lang="en-US" sz="2000" b="1" dirty="0"/>
-              <a:t>EXECUTIVE SUMMARY</a:t>
-            </a:r>
-          </a:p>
           <a:p>
             <a:pPr algn="l"/>
             <a:endParaRPr lang="en-US" sz="2000" dirty="0"/>
@@ -17254,7 +17312,7 @@
               <a:buChar char="Ø"/>
             </a:pPr>
             <a:r>
-              <a:rPr lang="en-US" sz="1600" b="1" dirty="0"/>
+              <a:rPr lang="en-US" sz="1900" b="1" dirty="0"/>
               <a:t>RECOMMENDATIONS</a:t>
             </a:r>
           </a:p>
@@ -17271,13 +17329,13 @@
               <a:buChar char="•"/>
             </a:pPr>
             <a:r>
-              <a:rPr lang="en-US" sz="1400" b="1" dirty="0"/>
+              <a:rPr lang="en-US" sz="1700" b="1" dirty="0"/>
               <a:t>ANALYZE DATA OF BOTH COMPANIES INCLUDING FIXED &amp; VARIABLE COSTS OVER A MUCH LONGER TIMEFRAME</a:t>
             </a:r>
           </a:p>
           <a:p>
             <a:pPr lvl="1" algn="l"/>
-            <a:endParaRPr lang="en-US" sz="1400" dirty="0"/>
+            <a:endParaRPr lang="en-US" sz="1700" dirty="0"/>
           </a:p>
           <a:p>
             <a:pPr marL="742950" lvl="1" indent="-285750" algn="l">
@@ -17285,13 +17343,13 @@
               <a:buChar char="•"/>
             </a:pPr>
             <a:r>
-              <a:rPr lang="en-US" sz="1400" b="1" dirty="0"/>
+              <a:rPr lang="en-US" sz="1700" b="1" dirty="0"/>
               <a:t>CONFIRM NEGATIVE PROFIT TREND </a:t>
             </a:r>
           </a:p>
           <a:p>
             <a:pPr lvl="1" algn="l"/>
-            <a:endParaRPr lang="en-US" sz="1400" dirty="0"/>
+            <a:endParaRPr lang="en-US" sz="1700" dirty="0"/>
           </a:p>
           <a:p>
             <a:pPr marL="742950" lvl="1" indent="-285750" algn="l">
@@ -17299,7 +17357,7 @@
               <a:buChar char="•"/>
             </a:pPr>
             <a:r>
-              <a:rPr lang="en-US" sz="1400" b="1" dirty="0"/>
+              <a:rPr lang="en-US" sz="1700" b="1" dirty="0"/>
               <a:t>IF PROFIT TREND IS NON-NEGATIVE</a:t>
             </a:r>
           </a:p>
@@ -17313,7 +17371,7 @@
               <a:buChar char="o"/>
             </a:pPr>
             <a:r>
-              <a:rPr lang="en-US" sz="1200" dirty="0"/>
+              <a:rPr lang="en-US" sz="1500" dirty="0"/>
               <a:t>ACQUIRE YELLOW CAB</a:t>
             </a:r>
           </a:p>
@@ -17323,7 +17381,7 @@
               <a:buChar char="o"/>
             </a:pPr>
             <a:r>
-              <a:rPr lang="en-US" sz="1200" dirty="0"/>
+              <a:rPr lang="en-US" sz="1500" dirty="0"/>
               <a:t>FOCUS ON LOWERING FIXED AND VARIABLE COST </a:t>
             </a:r>
           </a:p>
@@ -17333,7 +17391,7 @@
               <a:buChar char="o"/>
             </a:pPr>
             <a:r>
-              <a:rPr lang="en-US" sz="1200" dirty="0"/>
+              <a:rPr lang="en-US" sz="1500" dirty="0"/>
               <a:t>MAXIMIZING PROFIT</a:t>
             </a:r>
           </a:p>
@@ -17343,7 +17401,7 @@
               <a:buChar char="o"/>
             </a:pPr>
             <a:r>
-              <a:rPr lang="en-US" sz="1200" dirty="0"/>
+              <a:rPr lang="en-US" sz="1500" dirty="0"/>
               <a:t>REMAINING COMPETITIVE WITH RIDESHARE INDUSTY &amp; OTHER TRADITIONAL COMPANIES</a:t>
             </a:r>
           </a:p>
@@ -17364,7 +17422,7 @@
               <a:buChar char="•"/>
             </a:pPr>
             <a:r>
-              <a:rPr lang="en-US" sz="1400" b="1" dirty="0"/>
+              <a:rPr lang="en-US" sz="1500" b="1" dirty="0"/>
               <a:t>IF PROFIT TREND IS NEGATIVE</a:t>
             </a:r>
           </a:p>
@@ -17378,7 +17436,7 @@
               <a:buChar char="o"/>
             </a:pPr>
             <a:r>
-              <a:rPr lang="en-US" sz="1200" dirty="0"/>
+              <a:rPr lang="en-US" sz="1500" dirty="0"/>
               <a:t>REVIEW FIXED AND VARIABLE COSTS OF BOTH COMPANIES</a:t>
             </a:r>
           </a:p>
@@ -17388,7 +17446,7 @@
               <a:buChar char="o"/>
             </a:pPr>
             <a:r>
-              <a:rPr lang="en-US" sz="1200" dirty="0"/>
+              <a:rPr lang="en-US" sz="1500" dirty="0"/>
               <a:t>IDENTIFY INTERVENTIONS &amp; PERFORM NEW FORECASTS</a:t>
             </a:r>
           </a:p>
@@ -17398,7 +17456,7 @@
               <a:buChar char="o"/>
             </a:pPr>
             <a:r>
-              <a:rPr lang="en-US" sz="1200" dirty="0"/>
+              <a:rPr lang="en-US" sz="1500" dirty="0"/>
               <a:t>IF DECLINE IN PROFITS IS A RESULT OF THE RIDESHARE INDUSTRY</a:t>
             </a:r>
           </a:p>
@@ -17408,7 +17466,7 @@
               <a:buChar char="o"/>
             </a:pPr>
             <a:r>
-              <a:rPr lang="en-US" sz="1200" dirty="0"/>
+              <a:rPr lang="en-US" sz="1500" dirty="0"/>
               <a:t>DO NOT BUY A TRADITIONAL CAB COMPANY</a:t>
             </a:r>
           </a:p>
@@ -18941,8 +18999,8 @@
           <a:effectLst/>
         </p:spPr>
       </p:pic>
-      <mc:AlternateContent xmlns:mc="http://schemas.openxmlformats.org/markup-compatibility/2006">
-        <mc:Choice xmlns:a14="http://schemas.microsoft.com/office/drawing/2010/main" Requires="a14">
+      <mc:AlternateContent xmlns:mc="http://schemas.openxmlformats.org/markup-compatibility/2006" xmlns:a14="http://schemas.microsoft.com/office/drawing/2010/main">
+        <mc:Choice Requires="a14">
           <p:sp>
             <p:nvSpPr>
               <p:cNvPr id="13" name="TextBox 12">
@@ -19054,7 +19112,7 @@
             </p:txBody>
           </p:sp>
         </mc:Choice>
-        <mc:Fallback>
+        <mc:Fallback xmlns="">
           <p:sp>
             <p:nvSpPr>
               <p:cNvPr id="13" name="TextBox 12">
@@ -19776,7 +19834,7 @@
         <p:spPr>
           <a:xfrm>
             <a:off x="2227152" y="5069941"/>
-            <a:ext cx="7800902" cy="923330"/>
+            <a:ext cx="7800902" cy="1200329"/>
           </a:xfrm>
           <a:prstGeom prst="rect">
             <a:avLst/>
@@ -19802,7 +19860,7 @@
             </a:pPr>
             <a:r>
               <a:rPr lang="en-US" dirty="0"/>
-              <a:t>STARTING THIS YEAR, PINK CAB IS FORECASTED TO BECOME UNPROFITABLE</a:t>
+              <a:t>STARTING THIS YEAR (2019), PINK CAB IS FORECASTED TO BECOME UNPROFITABLE IF THE TREND CONTINUES</a:t>
             </a:r>
           </a:p>
           <a:p>
@@ -20531,7 +20589,7 @@
             </a:pPr>
             <a:r>
               <a:rPr lang="en-US" sz="1600" dirty="0"/>
-              <a:t>EVEN IF PINK CAB HAD AS MANY FARES AS YELLOW CAB &amp; RAISED THEIR PRICES TO    MATCH YELLOWS, THEY WOULD STILL BECOME UNPROFITABLE IN A YEAR, ACCORDING TO A SIMULATION</a:t>
+              <a:t>EVEN IF PINK CAB HAD AS MANY FARES AS YELLOW CAB &amp; RAISED THEIR PRICES TO    MATCH YELLOWS, THEY WOULD STILL BECOME UNPROFITABLE IN A YEAR, ACCORDING TO THE SIMULATION</a:t>
             </a:r>
           </a:p>
           <a:p>
@@ -22038,7 +22096,7 @@
                 </a:pPr>
                 <a:r>
                   <a:rPr lang="en-US" sz="1600" dirty="0"/>
-                  <a:t>THIS MEANS PINK CAB WILL BECOME UNPROFITABLE QUICKER THAN YELLOW CAB AS SHOWN IN THE NEXT SLIDE</a:t>
+                  <a:t>THIS MEANS PINK CAB WILL BECOME UNPROFITABLE MUCH FASTER THAN YELLOW CAB AS SHOWN IN THE NEXT SLIDE</a:t>
                 </a:r>
               </a:p>
               <a:p>
@@ -22074,7 +22132,7 @@
               <a:blipFill>
                 <a:blip r:embed="rId3"/>
                 <a:stretch>
-                  <a:fillRect/>
+                  <a:fillRect r="-313"/>
                 </a:stretch>
               </a:blipFill>
             </p:spPr>
@@ -22789,7 +22847,7 @@
             </a:pPr>
             <a:r>
               <a:rPr lang="en-US" sz="1600" dirty="0"/>
-              <a:t>BY 2020 YELLOW CAB WILL BECOME UNPROFITABLE</a:t>
+              <a:t>BY 2020 YELLOW CAB WILL BECOME UNPROFITABLE CETERES PARIBUS</a:t>
             </a:r>
           </a:p>
           <a:p>
@@ -22894,8 +22952,8 @@
         </p:nvSpPr>
         <p:spPr>
           <a:xfrm rot="5400000">
-            <a:off x="-562431" y="562430"/>
-            <a:ext cx="6858002" cy="5733142"/>
+            <a:off x="-1382283" y="1382282"/>
+            <a:ext cx="6858002" cy="4093437"/>
           </a:xfrm>
           <a:solidFill>
             <a:srgbClr val="3B3B3B"/>
@@ -22927,12 +22985,12 @@
               </a:rPr>
             </a:br>
             <a:r>
-              <a:rPr lang="en-US" b="1" dirty="0">
+              <a:rPr lang="en-US" sz="2800" b="1" dirty="0">
                 <a:solidFill>
                   <a:srgbClr val="FF6600"/>
                 </a:solidFill>
               </a:rPr>
-              <a:t>THANK YOU!</a:t>
+              <a:t>FUTURE CONSIDERATIONS</a:t>
             </a:r>
           </a:p>
         </p:txBody>
@@ -22973,10 +23031,228 @@
           </a:prstGeom>
         </p:spPr>
       </p:pic>
+      <p:sp>
+        <p:nvSpPr>
+          <p:cNvPr id="5" name="TextBox 4">
+            <a:extLst>
+              <a:ext uri="{FF2B5EF4-FFF2-40B4-BE49-F238E27FC236}">
+                <a16:creationId xmlns:a16="http://schemas.microsoft.com/office/drawing/2014/main" id="{BC22DBA2-4A1D-16B7-63AD-16E64B984984}"/>
+              </a:ext>
+            </a:extLst>
+          </p:cNvPr>
+          <p:cNvSpPr txBox="1"/>
+          <p:nvPr/>
+        </p:nvSpPr>
+        <p:spPr>
+          <a:xfrm>
+            <a:off x="4710869" y="1810489"/>
+            <a:ext cx="6105970" cy="1477328"/>
+          </a:xfrm>
+          <a:prstGeom prst="rect">
+            <a:avLst/>
+          </a:prstGeom>
+          <a:noFill/>
+        </p:spPr>
+        <p:txBody>
+          <a:bodyPr wrap="square">
+            <a:spAutoFit/>
+          </a:bodyPr>
+          <a:lstStyle/>
+          <a:p>
+            <a:pPr marL="285750" indent="-285750" algn="ctr">
+              <a:buFont typeface="Wingdings" panose="05000000000000000000" pitchFamily="2" charset="2"/>
+              <a:buChar char="v"/>
+            </a:pPr>
+            <a:r>
+              <a:rPr lang="en-US" dirty="0"/>
+              <a:t>A MORE DETAILED ANALYSIS SHOULD BE PERFORMED TO VERIFY INITIAL INSIGHTS</a:t>
+            </a:r>
+          </a:p>
+          <a:p>
+            <a:pPr marL="285750" indent="-285750" algn="ctr">
+              <a:buFont typeface="Wingdings" panose="05000000000000000000" pitchFamily="2" charset="2"/>
+              <a:buChar char="v"/>
+            </a:pPr>
+            <a:endParaRPr lang="en-US" dirty="0"/>
+          </a:p>
+          <a:p>
+            <a:pPr marL="285750" indent="-285750" algn="ctr">
+              <a:buFont typeface="Wingdings" panose="05000000000000000000" pitchFamily="2" charset="2"/>
+              <a:buChar char="v"/>
+            </a:pPr>
+            <a:r>
+              <a:rPr lang="en-US" dirty="0"/>
+              <a:t>IDEALLY FUTURE ANALYSIS SHOULD PARTIALLY FOCUS ON PROVIDING CONFIDENCE INTERVALS</a:t>
+            </a:r>
+          </a:p>
+        </p:txBody>
+      </p:sp>
     </p:spTree>
     <p:extLst>
       <p:ext uri="{BB962C8B-B14F-4D97-AF65-F5344CB8AC3E}">
         <p14:creationId xmlns:p14="http://schemas.microsoft.com/office/powerpoint/2010/main" val="1150993372"/>
+      </p:ext>
+    </p:extLst>
+  </p:cSld>
+  <p:clrMapOvr>
+    <a:masterClrMapping/>
+  </p:clrMapOvr>
+</p:sld>
+</file>
+
+<file path=ppt/slides/slide39.xml><?xml version="1.0" encoding="utf-8"?>
+<p:sld xmlns:a="http://schemas.openxmlformats.org/drawingml/2006/main" xmlns:r="http://schemas.openxmlformats.org/officeDocument/2006/relationships" xmlns:p="http://schemas.openxmlformats.org/presentationml/2006/main">
+  <p:cSld>
+    <p:spTree>
+      <p:nvGrpSpPr>
+        <p:cNvPr id="1" name=""/>
+        <p:cNvGrpSpPr/>
+        <p:nvPr/>
+      </p:nvGrpSpPr>
+      <p:grpSpPr>
+        <a:xfrm>
+          <a:off x="0" y="0"/>
+          <a:ext cx="0" cy="0"/>
+          <a:chOff x="0" y="0"/>
+          <a:chExt cx="0" cy="0"/>
+        </a:xfrm>
+      </p:grpSpPr>
+      <p:sp>
+        <p:nvSpPr>
+          <p:cNvPr id="2" name="Title 1">
+            <a:extLst>
+              <a:ext uri="{FF2B5EF4-FFF2-40B4-BE49-F238E27FC236}">
+                <a16:creationId xmlns:a16="http://schemas.microsoft.com/office/drawing/2014/main" id="{E8B8F26E-9345-4747-9094-972E38700A17}"/>
+              </a:ext>
+            </a:extLst>
+          </p:cNvPr>
+          <p:cNvSpPr>
+            <a:spLocks noGrp="1"/>
+          </p:cNvSpPr>
+          <p:nvPr>
+            <p:ph type="ctrTitle"/>
+          </p:nvPr>
+        </p:nvSpPr>
+        <p:spPr>
+          <a:xfrm rot="5400000">
+            <a:off x="-562431" y="562430"/>
+            <a:ext cx="6858002" cy="5733142"/>
+          </a:xfrm>
+          <a:solidFill>
+            <a:srgbClr val="3B3B3B"/>
+          </a:solidFill>
+        </p:spPr>
+        <p:txBody>
+          <a:bodyPr vert="vert270" anchor="t" anchorCtr="0"/>
+          <a:lstStyle/>
+          <a:p>
+            <a:br>
+              <a:rPr lang="en-US" b="1" dirty="0">
+                <a:solidFill>
+                  <a:srgbClr val="FF6600"/>
+                </a:solidFill>
+              </a:rPr>
+            </a:br>
+            <a:br>
+              <a:rPr lang="en-US" b="1" dirty="0">
+                <a:solidFill>
+                  <a:srgbClr val="FF6600"/>
+                </a:solidFill>
+              </a:rPr>
+            </a:br>
+            <a:br>
+              <a:rPr lang="en-US" b="1" dirty="0">
+                <a:solidFill>
+                  <a:srgbClr val="FF6600"/>
+                </a:solidFill>
+              </a:rPr>
+            </a:br>
+            <a:r>
+              <a:rPr lang="en-US" sz="3200" b="1" dirty="0">
+                <a:solidFill>
+                  <a:srgbClr val="FF6600"/>
+                </a:solidFill>
+              </a:rPr>
+              <a:t>THANK YOU!</a:t>
+            </a:r>
+          </a:p>
+        </p:txBody>
+      </p:sp>
+      <p:pic>
+        <p:nvPicPr>
+          <p:cNvPr id="4" name="Picture 3">
+            <a:extLst>
+              <a:ext uri="{FF2B5EF4-FFF2-40B4-BE49-F238E27FC236}">
+                <a16:creationId xmlns:a16="http://schemas.microsoft.com/office/drawing/2014/main" id="{7A465064-0714-5743-882B-8875105A7023}"/>
+              </a:ext>
+            </a:extLst>
+          </p:cNvPr>
+          <p:cNvPicPr>
+            <a:picLocks noChangeAspect="1"/>
+          </p:cNvPicPr>
+          <p:nvPr/>
+        </p:nvPicPr>
+        <p:blipFill>
+          <a:blip r:embed="rId2" cstate="print">
+            <a:extLst>
+              <a:ext uri="{28A0092B-C50C-407E-A947-70E740481C1C}">
+                <a14:useLocalDpi xmlns:a14="http://schemas.microsoft.com/office/drawing/2010/main" val="0"/>
+              </a:ext>
+            </a:extLst>
+          </a:blip>
+          <a:stretch>
+            <a:fillRect/>
+          </a:stretch>
+        </p:blipFill>
+        <p:spPr>
+          <a:xfrm>
+            <a:off x="0" y="5863771"/>
+            <a:ext cx="1654627" cy="994232"/>
+          </a:xfrm>
+          <a:prstGeom prst="rect">
+            <a:avLst/>
+          </a:prstGeom>
+        </p:spPr>
+      </p:pic>
+      <p:sp>
+        <p:nvSpPr>
+          <p:cNvPr id="5" name="TextBox 4">
+            <a:extLst>
+              <a:ext uri="{FF2B5EF4-FFF2-40B4-BE49-F238E27FC236}">
+                <a16:creationId xmlns:a16="http://schemas.microsoft.com/office/drawing/2014/main" id="{1B960630-2090-86F4-29FA-12D0E8B66736}"/>
+              </a:ext>
+            </a:extLst>
+          </p:cNvPr>
+          <p:cNvSpPr txBox="1"/>
+          <p:nvPr/>
+        </p:nvSpPr>
+        <p:spPr>
+          <a:xfrm>
+            <a:off x="6458861" y="2443165"/>
+            <a:ext cx="6097424" cy="584775"/>
+          </a:xfrm>
+          <a:prstGeom prst="rect">
+            <a:avLst/>
+          </a:prstGeom>
+          <a:noFill/>
+        </p:spPr>
+        <p:txBody>
+          <a:bodyPr wrap="square">
+            <a:spAutoFit/>
+          </a:bodyPr>
+          <a:lstStyle/>
+          <a:p>
+            <a:r>
+              <a:rPr lang="en-US" sz="3200" dirty="0"/>
+              <a:t>ANY QUESTIONS?</a:t>
+            </a:r>
+          </a:p>
+        </p:txBody>
+      </p:sp>
+    </p:spTree>
+    <p:extLst>
+      <p:ext uri="{BB962C8B-B14F-4D97-AF65-F5344CB8AC3E}">
+        <p14:creationId xmlns:p14="http://schemas.microsoft.com/office/powerpoint/2010/main" val="1015380022"/>
       </p:ext>
     </p:extLst>
   </p:cSld>
@@ -23021,8 +23297,8 @@
         </p:nvSpPr>
         <p:spPr>
           <a:xfrm rot="5400000">
-            <a:off x="-2394960" y="2394959"/>
-            <a:ext cx="6858002" cy="2068083"/>
+            <a:off x="-2262500" y="2262500"/>
+            <a:ext cx="6858002" cy="2333002"/>
           </a:xfrm>
           <a:solidFill>
             <a:srgbClr val="3B3B3B"/>
@@ -23042,7 +23318,18 @@
               <a:rPr lang="en-US" dirty="0"/>
             </a:br>
             <a:r>
-              <a:rPr lang="en-US" sz="2400" b="1" dirty="0">
+              <a:rPr lang="en-US" sz="2800" b="1" dirty="0">
+                <a:solidFill>
+                  <a:srgbClr val="FF6600"/>
+                </a:solidFill>
+              </a:rPr>
+              <a:t>GENERAL</a:t>
+            </a:r>
+            <a:br>
+              <a:rPr lang="en-US" b="1" dirty="0"/>
+            </a:br>
+            <a:r>
+              <a:rPr lang="en-US" sz="2800" b="1" dirty="0">
                 <a:solidFill>
                   <a:srgbClr val="FF6600"/>
                 </a:solidFill>
@@ -23050,13 +23337,13 @@
               <a:t>ASSUMPTIONS</a:t>
             </a:r>
             <a:br>
-              <a:rPr lang="en-US" b="1" dirty="0">
+              <a:rPr lang="en-US" sz="2800" b="1" dirty="0">
                 <a:solidFill>
                   <a:srgbClr val="FF6600"/>
                 </a:solidFill>
               </a:rPr>
             </a:br>
-            <a:endParaRPr lang="en-US" sz="2400" b="1" dirty="0">
+            <a:endParaRPr lang="en-US" sz="2800" b="1" dirty="0">
               <a:solidFill>
                 <a:srgbClr val="FF6600"/>
               </a:solidFill>
@@ -23118,7 +23405,7 @@
         </p:nvSpPr>
         <p:spPr>
           <a:xfrm>
-            <a:off x="2310213" y="149536"/>
+            <a:off x="2811565" y="222183"/>
             <a:ext cx="9144000" cy="6413633"/>
           </a:xfrm>
         </p:spPr>
@@ -23128,21 +23415,8 @@
           </a:bodyPr>
           <a:lstStyle/>
           <a:p>
-            <a:r>
-              <a:rPr lang="en-US" sz="2000" b="1" dirty="0"/>
-              <a:t>GENERAL ASSUMPTIONS</a:t>
-            </a:r>
-            <a:r>
-              <a:rPr lang="en-US" sz="1000" dirty="0"/>
-              <a:t>  </a:t>
-            </a:r>
-          </a:p>
-          <a:p>
-            <a:pPr marL="2000250" lvl="4" indent="-171450" algn="l">
-              <a:buFont typeface="Courier New" panose="02070309020205020404" pitchFamily="49" charset="0"/>
-              <a:buChar char="o"/>
-            </a:pPr>
-            <a:endParaRPr lang="en-US" sz="1000" dirty="0"/>
+            <a:pPr lvl="4" algn="l"/>
+            <a:endParaRPr lang="en-US" sz="2400" dirty="0"/>
           </a:p>
           <a:p>
             <a:pPr marL="2457450" lvl="5" indent="-171450" algn="l">
@@ -23172,7 +23446,7 @@
               <a:buChar char="Ø"/>
             </a:pPr>
             <a:r>
-              <a:rPr lang="en-US" sz="1400" b="1" dirty="0"/>
+              <a:rPr lang="en-US" sz="1800" b="1" dirty="0"/>
               <a:t>BOTH YELLOW &amp; PINK CAB ARE TRADITIONAL CAB COMPANIES</a:t>
             </a:r>
           </a:p>
@@ -23189,7 +23463,7 @@
               <a:buChar char="•"/>
             </a:pPr>
             <a:r>
-              <a:rPr lang="en-US" sz="1200" dirty="0"/>
+              <a:rPr lang="en-US" sz="1400" dirty="0"/>
               <a:t>THEY DO NOT HAVE THEIR ROOTS IN CONDUCTING ONLINE BUSINESS OR ONLINE TRANSACTIONS</a:t>
             </a:r>
           </a:p>
@@ -23199,7 +23473,7 @@
               <a:buChar char="•"/>
             </a:pPr>
             <a:r>
-              <a:rPr lang="en-US" sz="1200" dirty="0"/>
+              <a:rPr lang="en-US" sz="1400" dirty="0"/>
               <a:t>BOTH COMPANIES DIRECT COMPETITIOR IS THE RIDESHARE INDUSTRY</a:t>
             </a:r>
           </a:p>
@@ -23209,9 +23483,57 @@
               <a:buChar char="•"/>
             </a:pPr>
             <a:r>
-              <a:rPr lang="en-US" sz="1200" dirty="0"/>
+              <a:rPr lang="en-US" sz="1400" dirty="0"/>
               <a:t>YELLOW CAB IS THE DIRECT COMPETITOR OF PINK CAB</a:t>
             </a:r>
+          </a:p>
+          <a:p>
+            <a:pPr marL="1200150" lvl="2" indent="-285750" algn="l">
+              <a:buFont typeface="Arial" panose="020B0604020202020204" pitchFamily="34" charset="0"/>
+              <a:buChar char="•"/>
+            </a:pPr>
+            <a:endParaRPr lang="en-US" sz="1400" dirty="0"/>
+          </a:p>
+          <a:p>
+            <a:pPr marL="1200150" lvl="2" indent="-285750" algn="l">
+              <a:buFont typeface="Arial" panose="020B0604020202020204" pitchFamily="34" charset="0"/>
+              <a:buChar char="•"/>
+            </a:pPr>
+            <a:endParaRPr lang="en-US" sz="800" dirty="0"/>
+          </a:p>
+          <a:p>
+            <a:pPr marL="742950" lvl="1" indent="-285750" algn="l">
+              <a:buFont typeface="Wingdings" panose="05000000000000000000" pitchFamily="2" charset="2"/>
+              <a:buChar char="Ø"/>
+            </a:pPr>
+            <a:r>
+              <a:rPr lang="en-US" sz="1800" b="1" dirty="0"/>
+              <a:t>PINK CAB IS NEW TO THE MARKET OR IS WELL ESTABLISHED</a:t>
+            </a:r>
+          </a:p>
+          <a:p>
+            <a:pPr marL="742950" lvl="1" indent="-285750" algn="l">
+              <a:buFont typeface="Wingdings" panose="05000000000000000000" pitchFamily="2" charset="2"/>
+              <a:buChar char="Ø"/>
+            </a:pPr>
+            <a:endParaRPr lang="en-US" sz="1400" dirty="0"/>
+          </a:p>
+          <a:p>
+            <a:pPr marL="1200150" lvl="2" indent="-285750" algn="l">
+              <a:buFont typeface="Arial" panose="020B0604020202020204" pitchFamily="34" charset="0"/>
+              <a:buChar char="•"/>
+            </a:pPr>
+            <a:r>
+              <a:rPr lang="en-US" sz="1400" dirty="0"/>
+              <a:t>WE CAN ASSUME EITHER, AND THE DATA FOLLOWS</a:t>
+            </a:r>
+          </a:p>
+          <a:p>
+            <a:pPr marL="742950" lvl="1" indent="-285750" algn="l">
+              <a:buFont typeface="Wingdings" panose="05000000000000000000" pitchFamily="2" charset="2"/>
+              <a:buChar char="Ø"/>
+            </a:pPr>
+            <a:endParaRPr lang="en-US" sz="1400" dirty="0"/>
           </a:p>
           <a:p>
             <a:pPr marL="1200150" lvl="2" indent="-285750" algn="l">
@@ -23221,20 +23543,13 @@
             <a:endParaRPr lang="en-US" sz="1200" dirty="0"/>
           </a:p>
           <a:p>
-            <a:pPr marL="1200150" lvl="2" indent="-285750" algn="l">
-              <a:buFont typeface="Arial" panose="020B0604020202020204" pitchFamily="34" charset="0"/>
-              <a:buChar char="•"/>
-            </a:pPr>
-            <a:endParaRPr lang="en-US" sz="800" dirty="0"/>
-          </a:p>
-          <a:p>
             <a:pPr marL="742950" lvl="1" indent="-285750" algn="l">
               <a:buFont typeface="Wingdings" panose="05000000000000000000" pitchFamily="2" charset="2"/>
               <a:buChar char="Ø"/>
             </a:pPr>
             <a:r>
-              <a:rPr lang="en-US" sz="1400" b="1" dirty="0"/>
-              <a:t>PINK CAB IS NEW TO THE MARKET OR IS WELL ESTABLISHED</a:t>
+              <a:rPr lang="en-US" sz="1800" b="1" dirty="0"/>
+              <a:t>YELLOW CAB IS AN ESTABLISHED COMPANY WITH A LONG HISTORY</a:t>
             </a:r>
           </a:p>
           <a:p>
@@ -23250,48 +23565,7 @@
               <a:buChar char="•"/>
             </a:pPr>
             <a:r>
-              <a:rPr lang="en-US" sz="1200" dirty="0"/>
-              <a:t>WE CAN ASSUME EITHER, AND THE DATA FOLLOWS</a:t>
-            </a:r>
-          </a:p>
-          <a:p>
-            <a:pPr marL="742950" lvl="1" indent="-285750" algn="l">
-              <a:buFont typeface="Wingdings" panose="05000000000000000000" pitchFamily="2" charset="2"/>
-              <a:buChar char="Ø"/>
-            </a:pPr>
-            <a:endParaRPr lang="en-US" sz="1400" dirty="0"/>
-          </a:p>
-          <a:p>
-            <a:pPr marL="1200150" lvl="2" indent="-285750" algn="l">
-              <a:buFont typeface="Arial" panose="020B0604020202020204" pitchFamily="34" charset="0"/>
-              <a:buChar char="•"/>
-            </a:pPr>
-            <a:endParaRPr lang="en-US" sz="1200" dirty="0"/>
-          </a:p>
-          <a:p>
-            <a:pPr marL="742950" lvl="1" indent="-285750" algn="l">
-              <a:buFont typeface="Wingdings" panose="05000000000000000000" pitchFamily="2" charset="2"/>
-              <a:buChar char="Ø"/>
-            </a:pPr>
-            <a:r>
-              <a:rPr lang="en-US" sz="1400" b="1" dirty="0"/>
-              <a:t>YELLOW CAB IS AN ESTABLISHED COMPANY WITH A LONG HISTORY</a:t>
-            </a:r>
-          </a:p>
-          <a:p>
-            <a:pPr marL="742950" lvl="1" indent="-285750" algn="l">
-              <a:buFont typeface="Wingdings" panose="05000000000000000000" pitchFamily="2" charset="2"/>
-              <a:buChar char="Ø"/>
-            </a:pPr>
-            <a:endParaRPr lang="en-US" sz="1400" dirty="0"/>
-          </a:p>
-          <a:p>
-            <a:pPr marL="1200150" lvl="2" indent="-285750" algn="l">
-              <a:buFont typeface="Arial" panose="020B0604020202020204" pitchFamily="34" charset="0"/>
-              <a:buChar char="•"/>
-            </a:pPr>
-            <a:r>
-              <a:rPr lang="en-US" sz="1200" dirty="0"/>
+              <a:rPr lang="en-US" sz="1400" dirty="0"/>
               <a:t>THE BRAND NAME AND ITS DATA SUGGESTS THIS, BUT NO WAY TO VERIFY</a:t>
             </a:r>
           </a:p>
@@ -23300,7 +23574,7 @@
               <a:buFont typeface="Arial" panose="020B0604020202020204" pitchFamily="34" charset="0"/>
               <a:buChar char="•"/>
             </a:pPr>
-            <a:endParaRPr lang="en-US" sz="1400" dirty="0"/>
+            <a:endParaRPr lang="en-US" sz="1300" dirty="0"/>
           </a:p>
           <a:p>
             <a:pPr lvl="2" algn="l"/>
@@ -23386,8 +23660,8 @@
         </p:nvSpPr>
         <p:spPr>
           <a:xfrm rot="5400000">
-            <a:off x="-2394960" y="2394959"/>
-            <a:ext cx="6858002" cy="2068083"/>
+            <a:off x="-2273895" y="2273894"/>
+            <a:ext cx="6858002" cy="2310214"/>
           </a:xfrm>
           <a:solidFill>
             <a:srgbClr val="3B3B3B"/>
@@ -23407,7 +23681,18 @@
               <a:rPr lang="en-US" dirty="0"/>
             </a:br>
             <a:r>
-              <a:rPr lang="en-US" sz="2400" b="1" dirty="0">
+              <a:rPr lang="en-US" sz="2800" b="1" dirty="0">
+                <a:solidFill>
+                  <a:srgbClr val="FF6600"/>
+                </a:solidFill>
+              </a:rPr>
+              <a:t>GENERAL</a:t>
+            </a:r>
+            <a:br>
+              <a:rPr lang="en-US" b="1" dirty="0"/>
+            </a:br>
+            <a:r>
+              <a:rPr lang="en-US" sz="2800" b="1" dirty="0">
                 <a:solidFill>
                   <a:srgbClr val="FF6600"/>
                 </a:solidFill>
@@ -23483,7 +23768,7 @@
         </p:nvSpPr>
         <p:spPr>
           <a:xfrm>
-            <a:off x="2310213" y="149536"/>
+            <a:off x="3113518" y="222183"/>
             <a:ext cx="9144000" cy="6413633"/>
           </a:xfrm>
         </p:spPr>
@@ -23492,13 +23777,6 @@
             <a:normAutofit/>
           </a:bodyPr>
           <a:lstStyle/>
-          <a:p>
-            <a:r>
-              <a:rPr lang="en-US" sz="2000" b="1" dirty="0"/>
-              <a:t>GENERAL APPROACH</a:t>
-            </a:r>
-            <a:endParaRPr lang="en-US" sz="1000" dirty="0"/>
-          </a:p>
           <a:p>
             <a:pPr marL="2000250" lvl="4" indent="-171450" algn="l">
               <a:buFont typeface="Courier New" panose="02070309020205020404" pitchFamily="49" charset="0"/>
@@ -23524,7 +23802,7 @@
               <a:buChar char="Ø"/>
             </a:pPr>
             <a:r>
-              <a:rPr lang="en-US" sz="1400" b="1" dirty="0"/>
+              <a:rPr lang="en-US" sz="1800" b="1" dirty="0"/>
               <a:t>DATA MINING </a:t>
             </a:r>
           </a:p>
@@ -23662,7 +23940,7 @@
               <a:buFont typeface="Arial" panose="020B0604020202020204" pitchFamily="34" charset="0"/>
               <a:buChar char="•"/>
             </a:pPr>
-            <a:endParaRPr lang="en-US" sz="1400" dirty="0"/>
+            <a:endParaRPr lang="en-US" sz="1300" dirty="0"/>
           </a:p>
           <a:p>
             <a:pPr marL="1200150" lvl="2" indent="-285750" algn="l">
@@ -23785,24 +24063,54 @@
           <a:lstStyle/>
           <a:p>
             <a:br>
-              <a:rPr lang="en-US"/>
-            </a:br>
-            <a:br>
-              <a:rPr lang="en-US"/>
-            </a:br>
-            <a:br>
-              <a:rPr lang="en-US"/>
+              <a:rPr lang="en-US" dirty="0"/>
+            </a:br>
+            <a:br>
+              <a:rPr lang="en-US" dirty="0"/>
+            </a:br>
+            <a:br>
+              <a:rPr lang="en-US" dirty="0"/>
             </a:br>
             <a:r>
-              <a:rPr lang="en-US" sz="2400" b="1">
+              <a:rPr lang="en-US" sz="2400" b="1" dirty="0">
                 <a:solidFill>
                   <a:srgbClr val="FF6600"/>
                 </a:solidFill>
               </a:rPr>
-              <a:t>APPROACH</a:t>
+              <a:t>DATA CLEANSING</a:t>
             </a:r>
             <a:br>
-              <a:rPr lang="en-US" b="1">
+              <a:rPr lang="en-US" sz="2400" b="1" dirty="0">
+                <a:solidFill>
+                  <a:srgbClr val="FF6600"/>
+                </a:solidFill>
+              </a:rPr>
+            </a:br>
+            <a:r>
+              <a:rPr lang="en-US" sz="2400" b="1" dirty="0">
+                <a:solidFill>
+                  <a:srgbClr val="FF6600"/>
+                </a:solidFill>
+              </a:rPr>
+              <a:t>&amp;</a:t>
+            </a:r>
+            <a:br>
+              <a:rPr lang="en-US" sz="2400" b="1" dirty="0">
+                <a:solidFill>
+                  <a:srgbClr val="FF6600"/>
+                </a:solidFill>
+              </a:rPr>
+            </a:br>
+            <a:r>
+              <a:rPr lang="en-US" sz="2400" b="1" dirty="0">
+                <a:solidFill>
+                  <a:srgbClr val="FF6600"/>
+                </a:solidFill>
+              </a:rPr>
+              <a:t>  FEATURE ENGINEERING</a:t>
+            </a:r>
+            <a:br>
+              <a:rPr lang="en-US" b="1" dirty="0">
                 <a:solidFill>
                   <a:srgbClr val="FF6600"/>
                 </a:solidFill>
@@ -23870,7 +24178,7 @@
         </p:nvSpPr>
         <p:spPr>
           <a:xfrm>
-            <a:off x="2310213" y="149536"/>
+            <a:off x="2438400" y="606737"/>
             <a:ext cx="9144000" cy="6413633"/>
           </a:xfrm>
         </p:spPr>
@@ -23880,11 +24188,11 @@
           </a:bodyPr>
           <a:lstStyle/>
           <a:p>
-            <a:endParaRPr lang="en-US" sz="2000"/>
+            <a:endParaRPr lang="en-US" sz="2000" dirty="0"/>
           </a:p>
           <a:p>
             <a:pPr algn="l"/>
-            <a:endParaRPr lang="en-US" sz="2000"/>
+            <a:endParaRPr lang="en-US" sz="2000" dirty="0"/>
           </a:p>
           <a:p>
             <a:pPr marL="742950" lvl="1" indent="-285750" algn="l">
@@ -23892,9 +24200,8 @@
               <a:buChar char="Ø"/>
             </a:pPr>
             <a:r>
-              <a:rPr lang="en-US" sz="4800" b="1" i="0">
+              <a:rPr lang="en-US" sz="7200" b="1" i="0" dirty="0">
                 <a:effectLst/>
-                <a:latin typeface="Söhne"/>
               </a:rPr>
               <a:t>DATA PREPARATION &amp; PREPROCESSING</a:t>
             </a:r>
@@ -23904,7 +24211,7 @@
               <a:buFont typeface="Wingdings" panose="05000000000000000000" pitchFamily="2" charset="2"/>
               <a:buChar char="Ø"/>
             </a:pPr>
-            <a:endParaRPr lang="en-US" sz="4800" b="1" i="0">
+            <a:endParaRPr lang="en-US" sz="4800" b="1" i="0" dirty="0">
               <a:effectLst/>
               <a:latin typeface="Söhne"/>
             </a:endParaRPr>
@@ -23915,19 +24222,16 @@
               <a:buChar char="•"/>
             </a:pPr>
             <a:r>
-              <a:rPr lang="en-US" sz="4800" b="1">
-                <a:latin typeface="Söhne"/>
-              </a:rPr>
+              <a:rPr lang="en-US" sz="6400" b="1" dirty="0"/>
               <a:t>DATA CLEANING</a:t>
             </a:r>
-            <a:endParaRPr lang="en-US" sz="4800" b="1" i="0">
+            <a:endParaRPr lang="en-US" sz="6400" b="1" i="0" dirty="0">
               <a:effectLst/>
-              <a:latin typeface="Söhne"/>
             </a:endParaRPr>
           </a:p>
           <a:p>
             <a:pPr lvl="1" algn="l"/>
-            <a:endParaRPr lang="en-US" sz="4800" b="1">
+            <a:endParaRPr lang="en-US" sz="4800" b="1" dirty="0">
               <a:latin typeface="Söhne"/>
             </a:endParaRPr>
           </a:p>
@@ -23937,16 +24241,13 @@
               <a:buChar char="ü"/>
             </a:pPr>
             <a:r>
-              <a:rPr lang="en-US" sz="4800" b="1" i="0">
+              <a:rPr lang="en-US" sz="5600" b="1" i="0" dirty="0">
                 <a:effectLst/>
-                <a:latin typeface="Söhne"/>
               </a:rPr>
               <a:t>COLUMN </a:t>
             </a:r>
             <a:r>
-              <a:rPr lang="en-US" sz="4800" b="1">
-                <a:latin typeface="Söhne"/>
-              </a:rPr>
+              <a:rPr lang="en-US" sz="5600" b="1" dirty="0"/>
               <a:t>HEADS RENAMED</a:t>
             </a:r>
           </a:p>
@@ -23956,9 +24257,7 @@
               <a:buChar char="ü"/>
             </a:pPr>
             <a:r>
-              <a:rPr lang="en-US" sz="4800" b="1">
-                <a:latin typeface="Söhne"/>
-              </a:rPr>
+              <a:rPr lang="en-US" sz="5600" b="1" dirty="0"/>
               <a:t>DUPLICATES &amp; MISSING VALUES ASSESSED &amp; REMOVED</a:t>
             </a:r>
           </a:p>
@@ -23968,9 +24267,7 @@
               <a:buChar char="ü"/>
             </a:pPr>
             <a:r>
-              <a:rPr lang="en-US" sz="4800" b="1">
-                <a:latin typeface="Söhne"/>
-              </a:rPr>
+              <a:rPr lang="en-US" sz="5600" b="1" dirty="0"/>
               <a:t>CHARACTER DATA  CONVERTED TO LOWERCASE </a:t>
             </a:r>
           </a:p>
@@ -23980,9 +24277,7 @@
               <a:buChar char="ü"/>
             </a:pPr>
             <a:r>
-              <a:rPr lang="en-US" sz="4800" b="1">
-                <a:latin typeface="Söhne"/>
-              </a:rPr>
+              <a:rPr lang="en-US" sz="5600" b="1" dirty="0"/>
               <a:t>PUNCTUATION REMOVED</a:t>
             </a:r>
           </a:p>
@@ -23992,15 +24287,13 @@
               <a:buChar char="ü"/>
             </a:pPr>
             <a:r>
-              <a:rPr lang="en-US" sz="4800" b="1">
-                <a:latin typeface="Söhne"/>
-              </a:rPr>
+              <a:rPr lang="en-US" sz="5600" b="1" dirty="0"/>
               <a:t>FEATURE DATATYPES ASSESED &amp; LABELED </a:t>
             </a:r>
           </a:p>
           <a:p>
             <a:pPr lvl="3" algn="l"/>
-            <a:endParaRPr lang="en-US" sz="4800" b="1">
+            <a:endParaRPr lang="en-US" sz="4800" b="1" dirty="0">
               <a:latin typeface="Söhne"/>
             </a:endParaRPr>
           </a:p>
@@ -24010,9 +24303,7 @@
               <a:buChar char="•"/>
             </a:pPr>
             <a:r>
-              <a:rPr lang="en-US" sz="4800" b="1">
-                <a:latin typeface="Söhne"/>
-              </a:rPr>
+              <a:rPr lang="en-US" sz="6400" b="1" dirty="0"/>
               <a:t>TRANSFORMATIONS</a:t>
             </a:r>
           </a:p>
@@ -24021,7 +24312,7 @@
               <a:buFont typeface="Arial" panose="020B0604020202020204" pitchFamily="34" charset="0"/>
               <a:buChar char="•"/>
             </a:pPr>
-            <a:endParaRPr lang="en-US" sz="4800" b="1">
+            <a:endParaRPr lang="en-US" sz="4800" b="1" dirty="0">
               <a:latin typeface="Söhne"/>
             </a:endParaRPr>
           </a:p>
@@ -24031,21 +24322,15 @@
               <a:buChar char="ü"/>
             </a:pPr>
             <a:r>
-              <a:rPr lang="en-US" sz="4800" b="1">
-                <a:latin typeface="Söhne"/>
-              </a:rPr>
+              <a:rPr lang="en-US" sz="5600" b="1" dirty="0"/>
               <a:t>DATE :  </a:t>
             </a:r>
             <a:r>
-              <a:rPr lang="en-US" sz="4800">
-                <a:latin typeface="Söhne"/>
-              </a:rPr>
+              <a:rPr lang="en-US" sz="5600" dirty="0"/>
               <a:t>REFORMATTED</a:t>
             </a:r>
             <a:r>
-              <a:rPr lang="en-US" sz="4800" b="1">
-                <a:latin typeface="Söhne"/>
-              </a:rPr>
+              <a:rPr lang="en-US" sz="5600" b="1" dirty="0"/>
               <a:t> </a:t>
             </a:r>
           </a:p>
@@ -24055,15 +24340,11 @@
               <a:buChar char="ü"/>
             </a:pPr>
             <a:r>
-              <a:rPr lang="en-US" sz="4800" b="1">
-                <a:latin typeface="Söhne"/>
-              </a:rPr>
+              <a:rPr lang="en-US" sz="5600" b="1" dirty="0"/>
               <a:t>KILOMETERS :  </a:t>
             </a:r>
             <a:r>
-              <a:rPr lang="en-US" sz="4800">
-                <a:latin typeface="Söhne"/>
-              </a:rPr>
+              <a:rPr lang="en-US" sz="5600" dirty="0"/>
               <a:t>TRANSFORMED TO STANDARD NORTH AMERICAN MILES</a:t>
             </a:r>
           </a:p>
@@ -24073,15 +24354,11 @@
               <a:buChar char="ü"/>
             </a:pPr>
             <a:r>
-              <a:rPr lang="en-US" sz="4800" b="1">
-                <a:latin typeface="Söhne"/>
-              </a:rPr>
+              <a:rPr lang="en-US" sz="5600" b="1" dirty="0"/>
               <a:t>OUTLIERS :  </a:t>
             </a:r>
             <a:r>
-              <a:rPr lang="en-US" sz="4800">
-                <a:latin typeface="Söhne"/>
-              </a:rPr>
+              <a:rPr lang="en-US" sz="5600" dirty="0"/>
               <a:t>STANDARDIZED AND EVALUATED</a:t>
             </a:r>
           </a:p>
@@ -24090,9 +24367,7 @@
               <a:buFont typeface="Wingdings" panose="05000000000000000000" pitchFamily="2" charset="2"/>
               <a:buChar char="ü"/>
             </a:pPr>
-            <a:endParaRPr lang="en-US" sz="4800" b="1">
-              <a:latin typeface="Söhne"/>
-            </a:endParaRPr>
+            <a:endParaRPr lang="en-US" sz="5600" b="1" dirty="0"/>
           </a:p>
           <a:p>
             <a:pPr marL="1085850" lvl="2" indent="-171450" algn="l">
@@ -24100,10 +24375,14 @@
               <a:buChar char="•"/>
             </a:pPr>
             <a:r>
-              <a:rPr lang="en-US" sz="4800" b="1">
+              <a:rPr lang="en-US" sz="4800" b="1" dirty="0">
                 <a:latin typeface="Söhne"/>
               </a:rPr>
-              <a:t> FEATURE ENGINEERING</a:t>
+              <a:t> </a:t>
+            </a:r>
+            <a:r>
+              <a:rPr lang="en-US" sz="6400" b="1" dirty="0"/>
+              <a:t>FEATURE ENGINEERING</a:t>
             </a:r>
           </a:p>
           <a:p>
@@ -24111,7 +24390,7 @@
               <a:buFont typeface="Arial" panose="020B0604020202020204" pitchFamily="34" charset="0"/>
               <a:buChar char="•"/>
             </a:pPr>
-            <a:endParaRPr lang="en-US" sz="4800" b="1">
+            <a:endParaRPr lang="en-US" sz="4800" b="1" dirty="0">
               <a:latin typeface="Söhne"/>
             </a:endParaRPr>
           </a:p>
@@ -24121,15 +24400,11 @@
               <a:buChar char="ü"/>
             </a:pPr>
             <a:r>
-              <a:rPr lang="en-US" sz="4800" b="1">
-                <a:latin typeface="Söhne"/>
-              </a:rPr>
+              <a:rPr lang="en-US" sz="5600" b="1" dirty="0"/>
               <a:t>QUARTER :  </a:t>
             </a:r>
             <a:r>
-              <a:rPr lang="en-US" sz="4800">
-                <a:latin typeface="Söhne"/>
-              </a:rPr>
+              <a:rPr lang="en-US" sz="5600" dirty="0"/>
               <a:t>EXTRACTED FROM DATE INDEX, LABELS CREATED FOR EACH ROW</a:t>
             </a:r>
           </a:p>
@@ -24139,15 +24414,11 @@
               <a:buChar char="ü"/>
             </a:pPr>
             <a:r>
-              <a:rPr lang="en-US" sz="4800" b="1">
-                <a:latin typeface="Söhne"/>
-              </a:rPr>
+              <a:rPr lang="en-US" sz="5600" b="1" dirty="0"/>
               <a:t>DAY_OF_WEEK :  </a:t>
             </a:r>
             <a:r>
-              <a:rPr lang="en-US" sz="4800">
-                <a:latin typeface="Söhne"/>
-              </a:rPr>
+              <a:rPr lang="en-US" sz="5600" dirty="0"/>
               <a:t>EXTRACTED FROM DATE INDEX &amp; LABELS CREATED FOR EACH ROW</a:t>
             </a:r>
           </a:p>
@@ -24157,15 +24428,11 @@
               <a:buChar char="ü"/>
             </a:pPr>
             <a:r>
-              <a:rPr lang="en-US" sz="4800" b="1">
-                <a:latin typeface="Söhne"/>
-              </a:rPr>
+              <a:rPr lang="en-US" sz="5600" b="1" dirty="0"/>
               <a:t>STATE :  </a:t>
             </a:r>
             <a:r>
-              <a:rPr lang="en-US" sz="4800">
-                <a:latin typeface="Söhne"/>
-              </a:rPr>
+              <a:rPr lang="en-US" sz="5600" dirty="0"/>
               <a:t>SEPARTED FROM THE CITY FEATURE </a:t>
             </a:r>
           </a:p>
@@ -24175,21 +24442,15 @@
               <a:buChar char="ü"/>
             </a:pPr>
             <a:r>
-              <a:rPr lang="en-US" sz="4800" b="1">
-                <a:latin typeface="Söhne"/>
-              </a:rPr>
+              <a:rPr lang="en-US" sz="5600" b="1" dirty="0"/>
               <a:t>PROFIT :  </a:t>
             </a:r>
             <a:r>
-              <a:rPr lang="en-US" sz="4800">
-                <a:latin typeface="Söhne"/>
-              </a:rPr>
+              <a:rPr lang="en-US" sz="5600" dirty="0"/>
               <a:t>CREATED BY SUBTRACTING ‘COST’  FROM ‘PRICE</a:t>
             </a:r>
             <a:r>
-              <a:rPr lang="en-US" sz="4800" b="1">
-                <a:latin typeface="Söhne"/>
-              </a:rPr>
+              <a:rPr lang="en-US" sz="5600" b="1" dirty="0"/>
               <a:t>’ </a:t>
             </a:r>
           </a:p>
@@ -24199,15 +24460,11 @@
               <a:buChar char="ü"/>
             </a:pPr>
             <a:r>
-              <a:rPr lang="en-US" sz="4800" b="1">
-                <a:latin typeface="Söhne"/>
-              </a:rPr>
+              <a:rPr lang="en-US" sz="5600" b="1" dirty="0"/>
               <a:t>PROFIT_MARGIN: </a:t>
             </a:r>
             <a:r>
-              <a:rPr lang="en-US" sz="4800">
-                <a:latin typeface="Söhne"/>
-              </a:rPr>
+              <a:rPr lang="en-US" sz="5600" dirty="0"/>
               <a:t>CREATED FROM DIVIDING ‘PROFIT’ INTO ‘PRICE’</a:t>
             </a:r>
           </a:p>
@@ -24217,15 +24474,11 @@
               <a:buChar char="ü"/>
             </a:pPr>
             <a:r>
-              <a:rPr lang="en-US" sz="4800" b="1">
-                <a:latin typeface="Söhne"/>
-              </a:rPr>
+              <a:rPr lang="en-US" sz="5600" b="1" dirty="0"/>
               <a:t>AGE_CATEGORY: </a:t>
             </a:r>
             <a:r>
-              <a:rPr lang="en-US" sz="4800">
-                <a:latin typeface="Söhne"/>
-              </a:rPr>
+              <a:rPr lang="en-US" sz="5600" dirty="0"/>
               <a:t>EXTRACTED FROM ‘AGE’ , LABELS WERE CREATED FOR EACH ROW</a:t>
             </a:r>
           </a:p>
@@ -24234,7 +24487,7 @@
               <a:buFont typeface="Wingdings" panose="05000000000000000000" pitchFamily="2" charset="2"/>
               <a:buChar char="ü"/>
             </a:pPr>
-            <a:endParaRPr lang="en-US" sz="3000" b="1">
+            <a:endParaRPr lang="en-US" sz="3000" b="1" dirty="0">
               <a:latin typeface="Söhne"/>
             </a:endParaRPr>
           </a:p>
@@ -24243,7 +24496,7 @@
               <a:buFont typeface="Wingdings" panose="05000000000000000000" pitchFamily="2" charset="2"/>
               <a:buChar char="ü"/>
             </a:pPr>
-            <a:endParaRPr lang="en-US" sz="1200" b="1">
+            <a:endParaRPr lang="en-US" sz="1200" b="1" dirty="0">
               <a:latin typeface="Söhne"/>
             </a:endParaRPr>
           </a:p>
@@ -24252,7 +24505,7 @@
               <a:buFont typeface="Wingdings" panose="05000000000000000000" pitchFamily="2" charset="2"/>
               <a:buChar char="ü"/>
             </a:pPr>
-            <a:endParaRPr lang="en-US" sz="1200" b="1">
+            <a:endParaRPr lang="en-US" sz="1200" b="1" dirty="0">
               <a:latin typeface="Söhne"/>
             </a:endParaRPr>
           </a:p>
@@ -24261,7 +24514,7 @@
               <a:buFont typeface="Arial" panose="020B0604020202020204" pitchFamily="34" charset="0"/>
               <a:buChar char="•"/>
             </a:pPr>
-            <a:endParaRPr lang="en-US" sz="1400" b="1">
+            <a:endParaRPr lang="en-US" sz="1400" b="1" dirty="0">
               <a:latin typeface="Söhne"/>
             </a:endParaRPr>
           </a:p>
@@ -24270,7 +24523,7 @@
               <a:buFont typeface="Wingdings" panose="05000000000000000000" pitchFamily="2" charset="2"/>
               <a:buChar char="ü"/>
             </a:pPr>
-            <a:endParaRPr lang="en-US" sz="1200" b="1">
+            <a:endParaRPr lang="en-US" sz="1200" b="1" dirty="0">
               <a:latin typeface="Söhne"/>
             </a:endParaRPr>
           </a:p>
@@ -24279,7 +24532,7 @@
               <a:buFont typeface="Arial" panose="020B0604020202020204" pitchFamily="34" charset="0"/>
               <a:buChar char="•"/>
             </a:pPr>
-            <a:endParaRPr lang="en-US" sz="1400" b="1">
+            <a:endParaRPr lang="en-US" sz="1400" b="1" dirty="0">
               <a:latin typeface="Söhne"/>
             </a:endParaRPr>
           </a:p>
@@ -24288,7 +24541,7 @@
               <a:buFont typeface="Wingdings" panose="05000000000000000000" pitchFamily="2" charset="2"/>
               <a:buChar char="ü"/>
             </a:pPr>
-            <a:endParaRPr lang="en-US" sz="1400" b="1" i="0">
+            <a:endParaRPr lang="en-US" sz="1400" b="1" i="0" dirty="0">
               <a:effectLst/>
               <a:latin typeface="Söhne"/>
             </a:endParaRPr>
@@ -24298,7 +24551,7 @@
               <a:buFont typeface="Wingdings" panose="05000000000000000000" pitchFamily="2" charset="2"/>
               <a:buChar char="ü"/>
             </a:pPr>
-            <a:endParaRPr lang="en-US" sz="1200" b="1">
+            <a:endParaRPr lang="en-US" sz="1200" b="1" dirty="0">
               <a:latin typeface="Söhne"/>
             </a:endParaRPr>
           </a:p>
@@ -24307,7 +24560,7 @@
               <a:buFont typeface="Wingdings" panose="05000000000000000000" pitchFamily="2" charset="2"/>
               <a:buChar char="Ø"/>
             </a:pPr>
-            <a:endParaRPr lang="en-US" sz="1600" b="1">
+            <a:endParaRPr lang="en-US" sz="1600" b="1" dirty="0">
               <a:latin typeface="Söhne"/>
             </a:endParaRPr>
           </a:p>
@@ -24316,37 +24569,37 @@
               <a:buFont typeface="Wingdings" panose="05000000000000000000" pitchFamily="2" charset="2"/>
               <a:buChar char="Ø"/>
             </a:pPr>
-            <a:endParaRPr lang="en-US" sz="1600" b="1"/>
+            <a:endParaRPr lang="en-US" sz="1600" b="1" dirty="0"/>
           </a:p>
           <a:p>
             <a:pPr marL="742950" lvl="1" indent="-285750" algn="l">
               <a:buFont typeface="Wingdings" panose="05000000000000000000" pitchFamily="2" charset="2"/>
               <a:buChar char="Ø"/>
             </a:pPr>
-            <a:endParaRPr lang="en-US" sz="1600" b="1"/>
+            <a:endParaRPr lang="en-US" sz="1600" b="1" dirty="0"/>
           </a:p>
           <a:p>
             <a:pPr marL="1200150" lvl="2" indent="-285750" algn="l">
               <a:buFont typeface="Arial" panose="020B0604020202020204" pitchFamily="34" charset="0"/>
               <a:buChar char="•"/>
             </a:pPr>
-            <a:endParaRPr lang="en-US" sz="1200"/>
+            <a:endParaRPr lang="en-US" sz="1200" dirty="0"/>
           </a:p>
           <a:p>
             <a:pPr marL="742950" lvl="1" indent="-285750" algn="l">
               <a:buFont typeface="Wingdings" panose="05000000000000000000" pitchFamily="2" charset="2"/>
               <a:buChar char="Ø"/>
             </a:pPr>
-            <a:endParaRPr lang="en-US" sz="1400"/>
+            <a:endParaRPr lang="en-US" sz="1400" dirty="0"/>
           </a:p>
           <a:p>
             <a:pPr lvl="2" algn="l"/>
-            <a:endParaRPr lang="en-US" sz="1200"/>
+            <a:endParaRPr lang="en-US" sz="1200" dirty="0"/>
           </a:p>
           <a:p>
             <a:pPr lvl="4" algn="l"/>
             <a:r>
-              <a:rPr lang="en-US" sz="1000"/>
+              <a:rPr lang="en-US" sz="1000" dirty="0"/>
               <a:t>  </a:t>
             </a:r>
           </a:p>
@@ -24355,78 +24608,78 @@
               <a:buFont typeface="Courier New" panose="02070309020205020404" pitchFamily="49" charset="0"/>
               <a:buChar char="o"/>
             </a:pPr>
-            <a:endParaRPr lang="en-US" sz="1000"/>
+            <a:endParaRPr lang="en-US" sz="1000" dirty="0"/>
           </a:p>
           <a:p>
             <a:pPr marL="2457450" lvl="5" indent="-171450" algn="l">
               <a:buFont typeface="Courier New" panose="02070309020205020404" pitchFamily="49" charset="0"/>
               <a:buChar char="o"/>
             </a:pPr>
-            <a:endParaRPr lang="en-US" sz="1000"/>
+            <a:endParaRPr lang="en-US" sz="1000" dirty="0"/>
           </a:p>
           <a:p>
             <a:pPr marL="2457450" lvl="5" indent="-171450" algn="l">
               <a:buFont typeface="Courier New" panose="02070309020205020404" pitchFamily="49" charset="0"/>
               <a:buChar char="o"/>
             </a:pPr>
-            <a:endParaRPr lang="en-US" sz="1000"/>
+            <a:endParaRPr lang="en-US" sz="1000" dirty="0"/>
           </a:p>
           <a:p>
             <a:pPr algn="l"/>
             <a:r>
-              <a:rPr lang="en-US" sz="1800"/>
+              <a:rPr lang="en-US" sz="1800" dirty="0"/>
               <a:t>	</a:t>
             </a:r>
-            <a:endParaRPr lang="en-US" sz="1400"/>
+            <a:endParaRPr lang="en-US" sz="1400" dirty="0"/>
           </a:p>
           <a:p>
             <a:pPr lvl="1" algn="l"/>
-            <a:endParaRPr lang="en-US" sz="1400"/>
+            <a:endParaRPr lang="en-US" sz="1400" dirty="0"/>
           </a:p>
           <a:p>
             <a:pPr lvl="1" algn="l"/>
-            <a:endParaRPr lang="en-US" sz="1400"/>
+            <a:endParaRPr lang="en-US" sz="1400" dirty="0"/>
           </a:p>
           <a:p>
             <a:pPr marL="742950" lvl="1" indent="-285750" algn="l">
               <a:buFont typeface="Arial" panose="020B0604020202020204" pitchFamily="34" charset="0"/>
               <a:buChar char="•"/>
             </a:pPr>
-            <a:endParaRPr lang="en-US" sz="1400"/>
+            <a:endParaRPr lang="en-US" sz="1400" dirty="0"/>
           </a:p>
           <a:p>
             <a:pPr marL="742950" lvl="1" indent="-285750" algn="l">
               <a:buFont typeface="Arial" panose="020B0604020202020204" pitchFamily="34" charset="0"/>
               <a:buChar char="•"/>
             </a:pPr>
-            <a:endParaRPr lang="en-US" sz="1400"/>
+            <a:endParaRPr lang="en-US" sz="1400" dirty="0"/>
           </a:p>
           <a:p>
             <a:pPr lvl="2" algn="l"/>
-            <a:endParaRPr lang="en-US" sz="1200"/>
+            <a:endParaRPr lang="en-US" sz="1200" dirty="0"/>
           </a:p>
           <a:p>
             <a:pPr lvl="2" algn="l"/>
-            <a:endParaRPr lang="en-US" sz="1200"/>
+            <a:endParaRPr lang="en-US" sz="1200" dirty="0"/>
           </a:p>
           <a:p>
             <a:pPr lvl="2" algn="l"/>
-            <a:endParaRPr lang="en-US" sz="1200"/>
+            <a:endParaRPr lang="en-US" sz="1200" dirty="0"/>
           </a:p>
           <a:p>
             <a:pPr lvl="2" algn="l"/>
-            <a:endParaRPr lang="en-US" sz="1200"/>
+            <a:endParaRPr lang="en-US" sz="1200" dirty="0"/>
           </a:p>
           <a:p>
             <a:pPr marL="1200150" lvl="2" indent="-285750" algn="l">
               <a:buFont typeface="Wingdings" panose="05000000000000000000" pitchFamily="2" charset="2"/>
               <a:buChar char="Ø"/>
             </a:pPr>
-            <a:endParaRPr lang="en-US" sz="1200"/>
+            <a:endParaRPr lang="en-US" sz="1200" dirty="0"/>
           </a:p>
           <a:p>
             <a:pPr lvl="2" algn="l"/>
-            <a:endParaRPr lang="en-US" sz="1200"/>
+            <a:endParaRPr lang="en-US" sz="1200" dirty="0"/>
           </a:p>
           <a:p>
             <a:pPr marL="342900" indent="-342900" algn="l">
@@ -24485,8 +24738,8 @@
         </p:nvSpPr>
         <p:spPr>
           <a:xfrm rot="5400000">
-            <a:off x="-518311" y="518310"/>
-            <a:ext cx="6858002" cy="5821381"/>
+            <a:off x="-326878" y="326877"/>
+            <a:ext cx="6858002" cy="6204248"/>
           </a:xfrm>
           <a:solidFill>
             <a:srgbClr val="3B3B3B"/>
@@ -24506,12 +24759,27 @@
               <a:rPr lang="en-US" dirty="0"/>
             </a:br>
             <a:r>
-              <a:rPr lang="en-US" dirty="0">
-                <a:solidFill>
-                  <a:schemeClr val="accent2"/>
+              <a:rPr lang="en-US" sz="3200" b="1" dirty="0">
+                <a:solidFill>
+                  <a:srgbClr val="FF6600"/>
                 </a:solidFill>
               </a:rPr>
-              <a:t>OVERVIEW</a:t>
+              <a:t>SUMMARY: PROFITS, REVENUES, &amp; COSTS </a:t>
+            </a:r>
+            <a:br>
+              <a:rPr lang="en-US" sz="3200" b="1" dirty="0">
+                <a:solidFill>
+                  <a:srgbClr val="FF6600"/>
+                </a:solidFill>
+              </a:rPr>
+            </a:br>
+            <a:r>
+              <a:rPr lang="en-US" sz="3200" b="1" dirty="0">
+                <a:solidFill>
+                  <a:srgbClr val="FF6600"/>
+                </a:solidFill>
+              </a:rPr>
+              <a:t>OVER A THREE-YEAR PERIOD</a:t>
             </a:r>
             <a:br>
               <a:rPr lang="en-US" b="1" dirty="0">
@@ -25193,7 +25461,7 @@
         <p:spPr>
           <a:xfrm>
             <a:off x="2755540" y="4846589"/>
-            <a:ext cx="6680919" cy="1200329"/>
+            <a:ext cx="6680919" cy="1477328"/>
           </a:xfrm>
           <a:prstGeom prst="rect">
             <a:avLst/>
@@ -25212,7 +25480,7 @@
             </a:pPr>
             <a:r>
               <a:rPr lang="en-US" dirty="0"/>
-              <a:t>PINK CAB’S PROFITS ARE LESS IN MAGNITUDE THAN YELLOWS</a:t>
+              <a:t>PINK CAB’S PROFITS ARE LESS IN MAGNITUDE THAN YELLOWS DURING THE ‘OFF-SEASONS’</a:t>
             </a:r>
           </a:p>
           <a:p>
@@ -25229,7 +25497,7 @@
             </a:pPr>
             <a:r>
               <a:rPr lang="en-US" dirty="0"/>
-              <a:t>YELLOW’S PROFITS ARE HIGHER DURING TIMES WHEN PINK’S ARE LOWER</a:t>
+              <a:t>YELLOW’S PROFITS ARE HIGHER DURING ‘OFF-SEASONS WHEN PINK’S ARE LOWER</a:t>
             </a:r>
           </a:p>
         </p:txBody>

--- a/Sample1_Exploratory.Data.Analysis/eda.presentation.pptx
+++ b/Sample1_Exploratory.Data.Analysis/eda.presentation.pptx
@@ -9,9 +9,9 @@
   </p:notesMasterIdLst>
   <p:sldIdLst>
     <p:sldId id="256" r:id="rId2"/>
-    <p:sldId id="269" r:id="rId3"/>
-    <p:sldId id="270" r:id="rId4"/>
-    <p:sldId id="273" r:id="rId5"/>
+    <p:sldId id="273" r:id="rId3"/>
+    <p:sldId id="269" r:id="rId4"/>
+    <p:sldId id="270" r:id="rId5"/>
     <p:sldId id="274" r:id="rId6"/>
     <p:sldId id="271" r:id="rId7"/>
     <p:sldId id="292" r:id="rId8"/>
@@ -45,7 +45,7 @@
     <p:sldId id="329" r:id="rId36"/>
     <p:sldId id="330" r:id="rId37"/>
     <p:sldId id="331" r:id="rId38"/>
-    <p:sldId id="334" r:id="rId39"/>
+    <p:sldId id="337" r:id="rId39"/>
     <p:sldId id="336" r:id="rId40"/>
   </p:sldIdLst>
   <p:sldSz cx="12192000" cy="6858000"/>
@@ -235,7 +235,7 @@
           <a:p>
             <a:fld id="{F999326D-4D12-48D9-B725-3EA92DBB0C53}" type="datetimeFigureOut">
               <a:rPr lang="en-US" smtClean="0"/>
-              <a:t>11/25/2023</a:t>
+              <a:t>3/18/2024</a:t>
             </a:fld>
             <a:endParaRPr lang="en-US"/>
           </a:p>
@@ -631,7 +631,7 @@
           <a:p>
             <a:fld id="{C764DE79-268F-4C1A-8933-263129D2AF90}" type="datetimeFigureOut">
               <a:rPr lang="en-US" dirty="0"/>
-              <a:t>11/25/2023</a:t>
+              <a:t>3/18/2024</a:t>
             </a:fld>
             <a:endParaRPr lang="en-US"/>
           </a:p>
@@ -799,7 +799,7 @@
           <a:p>
             <a:fld id="{C764DE79-268F-4C1A-8933-263129D2AF90}" type="datetimeFigureOut">
               <a:rPr lang="en-US" dirty="0"/>
-              <a:t>11/25/2023</a:t>
+              <a:t>3/18/2024</a:t>
             </a:fld>
             <a:endParaRPr lang="en-US"/>
           </a:p>
@@ -977,7 +977,7 @@
           <a:p>
             <a:fld id="{C764DE79-268F-4C1A-8933-263129D2AF90}" type="datetimeFigureOut">
               <a:rPr lang="en-US" dirty="0"/>
-              <a:t>11/25/2023</a:t>
+              <a:t>3/18/2024</a:t>
             </a:fld>
             <a:endParaRPr lang="en-US"/>
           </a:p>
@@ -1145,7 +1145,7 @@
           <a:p>
             <a:fld id="{C764DE79-268F-4C1A-8933-263129D2AF90}" type="datetimeFigureOut">
               <a:rPr lang="en-US" dirty="0"/>
-              <a:t>11/25/2023</a:t>
+              <a:t>3/18/2024</a:t>
             </a:fld>
             <a:endParaRPr lang="en-US"/>
           </a:p>
@@ -1390,7 +1390,7 @@
           <a:p>
             <a:fld id="{C764DE79-268F-4C1A-8933-263129D2AF90}" type="datetimeFigureOut">
               <a:rPr lang="en-US" dirty="0"/>
-              <a:t>11/25/2023</a:t>
+              <a:t>3/18/2024</a:t>
             </a:fld>
             <a:endParaRPr lang="en-US"/>
           </a:p>
@@ -1619,7 +1619,7 @@
           <a:p>
             <a:fld id="{C764DE79-268F-4C1A-8933-263129D2AF90}" type="datetimeFigureOut">
               <a:rPr lang="en-US" dirty="0"/>
-              <a:t>11/25/2023</a:t>
+              <a:t>3/18/2024</a:t>
             </a:fld>
             <a:endParaRPr lang="en-US"/>
           </a:p>
@@ -1983,7 +1983,7 @@
           <a:p>
             <a:fld id="{C764DE79-268F-4C1A-8933-263129D2AF90}" type="datetimeFigureOut">
               <a:rPr lang="en-US" dirty="0"/>
-              <a:t>11/25/2023</a:t>
+              <a:t>3/18/2024</a:t>
             </a:fld>
             <a:endParaRPr lang="en-US"/>
           </a:p>
@@ -2100,7 +2100,7 @@
           <a:p>
             <a:fld id="{C764DE79-268F-4C1A-8933-263129D2AF90}" type="datetimeFigureOut">
               <a:rPr lang="en-US" dirty="0"/>
-              <a:t>11/25/2023</a:t>
+              <a:t>3/18/2024</a:t>
             </a:fld>
             <a:endParaRPr lang="en-US"/>
           </a:p>
@@ -2195,7 +2195,7 @@
           <a:p>
             <a:fld id="{C764DE79-268F-4C1A-8933-263129D2AF90}" type="datetimeFigureOut">
               <a:rPr lang="en-US" dirty="0"/>
-              <a:t>11/25/2023</a:t>
+              <a:t>3/18/2024</a:t>
             </a:fld>
             <a:endParaRPr lang="en-US"/>
           </a:p>
@@ -2470,7 +2470,7 @@
           <a:p>
             <a:fld id="{C764DE79-268F-4C1A-8933-263129D2AF90}" type="datetimeFigureOut">
               <a:rPr lang="en-US" dirty="0"/>
-              <a:t>11/25/2023</a:t>
+              <a:t>3/18/2024</a:t>
             </a:fld>
             <a:endParaRPr lang="en-US"/>
           </a:p>
@@ -2725,7 +2725,7 @@
           <a:p>
             <a:fld id="{C764DE79-268F-4C1A-8933-263129D2AF90}" type="datetimeFigureOut">
               <a:rPr lang="en-US" dirty="0"/>
-              <a:t>11/25/2023</a:t>
+              <a:t>3/18/2024</a:t>
             </a:fld>
             <a:endParaRPr lang="en-US"/>
           </a:p>
@@ -2936,7 +2936,7 @@
           <a:p>
             <a:fld id="{C764DE79-268F-4C1A-8933-263129D2AF90}" type="datetimeFigureOut">
               <a:rPr lang="en-US" dirty="0"/>
-              <a:t>11/25/2023</a:t>
+              <a:t>3/18/2024</a:t>
             </a:fld>
             <a:endParaRPr lang="en-US"/>
           </a:p>
@@ -10751,8 +10751,8 @@
         </p:nvSpPr>
         <p:spPr>
           <a:xfrm rot="5400000">
-            <a:off x="-2330867" y="2330866"/>
-            <a:ext cx="6858002" cy="2196269"/>
+            <a:off x="-2262500" y="2262500"/>
+            <a:ext cx="6858002" cy="2333002"/>
           </a:xfrm>
           <a:solidFill>
             <a:srgbClr val="3B3B3B"/>
@@ -10777,14 +10777,10 @@
                   <a:srgbClr val="FF6600"/>
                 </a:solidFill>
               </a:rPr>
-              <a:t>EXECUTIVE</a:t>
+              <a:t>GENERAL</a:t>
             </a:r>
             <a:br>
-              <a:rPr lang="en-US" sz="2800" b="1" dirty="0">
-                <a:solidFill>
-                  <a:srgbClr val="FF6600"/>
-                </a:solidFill>
-              </a:rPr>
+              <a:rPr lang="en-US" b="1" dirty="0"/>
             </a:br>
             <a:r>
               <a:rPr lang="en-US" sz="2800" b="1" dirty="0">
@@ -10792,8 +10788,20 @@
                   <a:srgbClr val="FF6600"/>
                 </a:solidFill>
               </a:rPr>
-              <a:t>SUMMARY</a:t>
+              <a:t>ASSUMPTIONS</a:t>
             </a:r>
+            <a:br>
+              <a:rPr lang="en-US" sz="2800" b="1" dirty="0">
+                <a:solidFill>
+                  <a:srgbClr val="FF6600"/>
+                </a:solidFill>
+              </a:rPr>
+            </a:br>
+            <a:endParaRPr lang="en-US" sz="2800" b="1" dirty="0">
+              <a:solidFill>
+                <a:srgbClr val="FF6600"/>
+              </a:solidFill>
+            </a:endParaRPr>
           </a:p>
         </p:txBody>
       </p:sp>
@@ -10851,102 +10859,168 @@
         </p:nvSpPr>
         <p:spPr>
           <a:xfrm>
-            <a:off x="2310213" y="149536"/>
+            <a:off x="2811565" y="222183"/>
             <a:ext cx="9144000" cy="6413633"/>
           </a:xfrm>
         </p:spPr>
         <p:txBody>
           <a:bodyPr>
-            <a:normAutofit lnSpcReduction="10000"/>
+            <a:normAutofit/>
           </a:bodyPr>
           <a:lstStyle/>
           <a:p>
+            <a:pPr lvl="4" algn="l"/>
+            <a:endParaRPr lang="en-US" sz="2400" dirty="0"/>
+          </a:p>
+          <a:p>
+            <a:pPr marL="2457450" lvl="5" indent="-171450" algn="l">
+              <a:buFont typeface="Courier New" panose="02070309020205020404" pitchFamily="49" charset="0"/>
+              <a:buChar char="o"/>
+            </a:pPr>
+            <a:endParaRPr lang="en-US" sz="1000" dirty="0"/>
+          </a:p>
+          <a:p>
+            <a:pPr marL="2457450" lvl="5" indent="-171450" algn="l">
+              <a:buFont typeface="Courier New" panose="02070309020205020404" pitchFamily="49" charset="0"/>
+              <a:buChar char="o"/>
+            </a:pPr>
+            <a:endParaRPr lang="en-US" sz="1000" dirty="0"/>
+          </a:p>
+          <a:p>
             <a:pPr algn="l"/>
-            <a:endParaRPr lang="en-US" sz="1800" b="1" dirty="0"/>
-          </a:p>
-          <a:p>
-            <a:pPr marL="285750" indent="-285750" algn="l">
+            <a:r>
+              <a:rPr lang="en-US" sz="1800" dirty="0"/>
+              <a:t>	</a:t>
+            </a:r>
+            <a:endParaRPr lang="en-US" sz="1400" dirty="0"/>
+          </a:p>
+          <a:p>
+            <a:pPr marL="742950" lvl="1" indent="-285750" algn="l">
               <a:buFont typeface="Wingdings" panose="05000000000000000000" pitchFamily="2" charset="2"/>
               <a:buChar char="Ø"/>
             </a:pPr>
             <a:r>
-              <a:rPr lang="en-US" sz="1700" b="1" dirty="0"/>
-              <a:t>AN AD-HOC ANALYSIS OF </a:t>
+              <a:rPr lang="en-US" sz="1800" b="1" dirty="0"/>
+              <a:t>BOTH YELLOW &amp; PINK CAB ARE TRADITIONAL CAB COMPANIES</a:t>
             </a:r>
-            <a:r>
-              <a:rPr lang="en-US" sz="1600" b="1" dirty="0"/>
-              <a:t>PINK &amp; YELLOW CAB YIELDED INTERESTING &amp; USEFUL INSIGHTS</a:t>
-            </a:r>
-          </a:p>
-          <a:p>
-            <a:pPr marL="342900" indent="-342900" algn="l">
+          </a:p>
+          <a:p>
+            <a:pPr marL="742950" lvl="1" indent="-285750" algn="l">
               <a:buFont typeface="Wingdings" panose="05000000000000000000" pitchFamily="2" charset="2"/>
               <a:buChar char="Ø"/>
             </a:pPr>
-            <a:endParaRPr lang="en-US" sz="1600" b="1" dirty="0"/>
-          </a:p>
-          <a:p>
-            <a:pPr marL="285750" indent="-285750" algn="l">
-              <a:buFont typeface="Wingdings" panose="05000000000000000000" pitchFamily="2" charset="2"/>
-              <a:buChar char="Ø"/>
-            </a:pPr>
-            <a:r>
-              <a:rPr lang="en-US" sz="1700" b="1" dirty="0"/>
-              <a:t>KEY FINDINGS:</a:t>
-            </a:r>
-          </a:p>
-          <a:p>
-            <a:pPr lvl="1" algn="l"/>
             <a:endParaRPr lang="en-US" sz="1400" dirty="0"/>
           </a:p>
           <a:p>
-            <a:pPr marL="742950" lvl="1" indent="-285750" algn="l">
+            <a:pPr marL="1200150" lvl="2" indent="-285750" algn="l">
               <a:buFont typeface="Arial" panose="020B0604020202020204" pitchFamily="34" charset="0"/>
               <a:buChar char="•"/>
             </a:pPr>
             <a:r>
               <a:rPr lang="en-US" sz="1400" dirty="0"/>
-              <a:t>YELLOW CABS PROFIT MARGINS ARE MUCH LARGER AND TIGHTER THAN PINKS </a:t>
+              <a:t>THEY DO NOT HAVE THEIR ROOTS IN CONDUCTING ONLINE BUSINESS OR ONLINE TRANSACTIONS</a:t>
             </a:r>
           </a:p>
           <a:p>
-            <a:pPr marL="742950" lvl="1" indent="-285750" algn="l">
+            <a:pPr marL="1200150" lvl="2" indent="-285750" algn="l">
               <a:buFont typeface="Arial" panose="020B0604020202020204" pitchFamily="34" charset="0"/>
               <a:buChar char="•"/>
             </a:pPr>
             <a:r>
               <a:rPr lang="en-US" sz="1400" dirty="0"/>
-              <a:t>YELLOW CAB SEEMS TO LEAN IN CUSTOMER RECIDIVISM </a:t>
+              <a:t>BOTH COMPANIES DIRECT COMPETITIOR IS THE RIDESHARE INDUSTRY i.e. UBER, LYFT</a:t>
             </a:r>
           </a:p>
           <a:p>
-            <a:pPr marL="742950" lvl="1" indent="-285750" algn="l">
+            <a:pPr marL="1200150" lvl="2" indent="-285750" algn="l">
               <a:buFont typeface="Arial" panose="020B0604020202020204" pitchFamily="34" charset="0"/>
               <a:buChar char="•"/>
             </a:pPr>
             <a:r>
               <a:rPr lang="en-US" sz="1400" dirty="0"/>
-              <a:t>PRICING SEEMS TO BE THE LARGEST CONTRIBUTOR TO YELLOW CAB’S HIGHER PROFIT SHARE</a:t>
+              <a:t>YELLOW CAB IS A DIRECT COMPETITOR OF PINK CAB</a:t>
             </a:r>
           </a:p>
           <a:p>
+            <a:pPr marL="1200150" lvl="2" indent="-285750" algn="l">
+              <a:buFont typeface="Arial" panose="020B0604020202020204" pitchFamily="34" charset="0"/>
+              <a:buChar char="•"/>
+            </a:pPr>
+            <a:endParaRPr lang="en-US" sz="1400" dirty="0"/>
+          </a:p>
+          <a:p>
+            <a:pPr marL="1200150" lvl="2" indent="-285750" algn="l">
+              <a:buFont typeface="Arial" panose="020B0604020202020204" pitchFamily="34" charset="0"/>
+              <a:buChar char="•"/>
+            </a:pPr>
+            <a:endParaRPr lang="en-US" sz="800" dirty="0"/>
+          </a:p>
+          <a:p>
             <a:pPr marL="742950" lvl="1" indent="-285750" algn="l">
+              <a:buFont typeface="Wingdings" panose="05000000000000000000" pitchFamily="2" charset="2"/>
+              <a:buChar char="Ø"/>
+            </a:pPr>
+            <a:r>
+              <a:rPr lang="en-US" sz="1800" b="1" dirty="0"/>
+              <a:t>PINK CAB IS NEW TO THE MARKET OR IS WELL ESTABLISHED</a:t>
+            </a:r>
+          </a:p>
+          <a:p>
+            <a:pPr marL="742950" lvl="1" indent="-285750" algn="l">
+              <a:buFont typeface="Wingdings" panose="05000000000000000000" pitchFamily="2" charset="2"/>
+              <a:buChar char="Ø"/>
+            </a:pPr>
+            <a:endParaRPr lang="en-US" sz="1400" dirty="0"/>
+          </a:p>
+          <a:p>
+            <a:pPr marL="1200150" lvl="2" indent="-285750" algn="l">
               <a:buFont typeface="Arial" panose="020B0604020202020204" pitchFamily="34" charset="0"/>
               <a:buChar char="•"/>
             </a:pPr>
             <a:r>
               <a:rPr lang="en-US" sz="1400" dirty="0"/>
-              <a:t>YELLOW CAB MIGHT BE ABLE TO CHARGE HIGHER PRICES DUE TO BRANDING FACTORS</a:t>
+              <a:t>WE CAN ASSUME EITHER, AND THE DATA FOLLOWS</a:t>
             </a:r>
           </a:p>
           <a:p>
             <a:pPr marL="742950" lvl="1" indent="-285750" algn="l">
+              <a:buFont typeface="Wingdings" panose="05000000000000000000" pitchFamily="2" charset="2"/>
+              <a:buChar char="Ø"/>
+            </a:pPr>
+            <a:endParaRPr lang="en-US" sz="1400" dirty="0"/>
+          </a:p>
+          <a:p>
+            <a:pPr marL="1200150" lvl="2" indent="-285750" algn="l">
+              <a:buFont typeface="Arial" panose="020B0604020202020204" pitchFamily="34" charset="0"/>
+              <a:buChar char="•"/>
+            </a:pPr>
+            <a:endParaRPr lang="en-US" sz="1200" dirty="0"/>
+          </a:p>
+          <a:p>
+            <a:pPr marL="742950" lvl="1" indent="-285750" algn="l">
+              <a:buFont typeface="Wingdings" panose="05000000000000000000" pitchFamily="2" charset="2"/>
+              <a:buChar char="Ø"/>
+            </a:pPr>
+            <a:r>
+              <a:rPr lang="en-US" sz="1800" b="1" dirty="0"/>
+              <a:t>YELLOW CAB IS AN ESTABLISHED COMPANY WITH A LONG HISTORY</a:t>
+            </a:r>
+          </a:p>
+          <a:p>
+            <a:pPr marL="742950" lvl="1" indent="-285750" algn="l">
+              <a:buFont typeface="Wingdings" panose="05000000000000000000" pitchFamily="2" charset="2"/>
+              <a:buChar char="Ø"/>
+            </a:pPr>
+            <a:endParaRPr lang="en-US" sz="1400" dirty="0"/>
+          </a:p>
+          <a:p>
+            <a:pPr marL="1200150" lvl="2" indent="-285750" algn="l">
               <a:buFont typeface="Arial" panose="020B0604020202020204" pitchFamily="34" charset="0"/>
               <a:buChar char="•"/>
             </a:pPr>
             <a:r>
               <a:rPr lang="en-US" sz="1400" dirty="0"/>
-              <a:t>PROFITS FOR BOTH PINK &amp; YELLOW CAB COMPANIES FOLLOW A PREDICTABLE SEASONAL CYCLE </a:t>
+              <a:t>THE BRAND NAME AND ITS DATA SUGGESTS THIS, BUT NO WAY TO VERIFY</a:t>
             </a:r>
           </a:p>
           <a:p>
@@ -10954,142 +11028,7 @@
               <a:buFont typeface="Arial" panose="020B0604020202020204" pitchFamily="34" charset="0"/>
               <a:buChar char="•"/>
             </a:pPr>
-            <a:r>
-              <a:rPr lang="en-US" sz="1400" dirty="0"/>
-              <a:t>PROFITS FOR BOTH COMPANIES HIT ALL-TIME LOWS IN JANUARY OF 2018</a:t>
-            </a:r>
-          </a:p>
-          <a:p>
-            <a:pPr marL="742950" lvl="1" indent="-285750" algn="l">
-              <a:buFont typeface="Arial" panose="020B0604020202020204" pitchFamily="34" charset="0"/>
-              <a:buChar char="•"/>
-            </a:pPr>
-            <a:r>
-              <a:rPr lang="en-US" sz="1400" dirty="0"/>
-              <a:t>THE PROFIT TREND FOR BOTH COMPANIES IS NEGATIVE</a:t>
-            </a:r>
-          </a:p>
-          <a:p>
-            <a:pPr marL="742950" lvl="1" indent="-285750" algn="l">
-              <a:buFont typeface="Arial" panose="020B0604020202020204" pitchFamily="34" charset="0"/>
-              <a:buChar char="•"/>
-            </a:pPr>
-            <a:r>
-              <a:rPr lang="en-US" sz="1400" dirty="0"/>
-              <a:t>MORE RESEARCH OVER A LONGER TIMEFRAME WOULD BE BENEFICIAL</a:t>
-            </a:r>
-          </a:p>
-          <a:p>
-            <a:pPr algn="l"/>
-            <a:endParaRPr lang="en-US" sz="1600" b="1" dirty="0"/>
-          </a:p>
-          <a:p>
-            <a:pPr marL="342900" indent="-342900" algn="l">
-              <a:buFont typeface="Wingdings" panose="05000000000000000000" pitchFamily="2" charset="2"/>
-              <a:buChar char="Ø"/>
-            </a:pPr>
-            <a:r>
-              <a:rPr lang="en-US" sz="1700" b="1" dirty="0"/>
-              <a:t>THESE INSIGHTS WILL AID ‘XYZ’ IN MAKING A FINAL DECISION ON WHICH COMPANY TO ACQUIRE</a:t>
-            </a:r>
-          </a:p>
-          <a:p>
-            <a:pPr algn="l"/>
-            <a:endParaRPr lang="en-US" sz="1600" dirty="0"/>
-          </a:p>
-          <a:p>
-            <a:pPr marL="342900" indent="-342900" algn="l">
-              <a:buFont typeface="Wingdings" panose="05000000000000000000" pitchFamily="2" charset="2"/>
-              <a:buChar char="Ø"/>
-            </a:pPr>
-            <a:r>
-              <a:rPr lang="en-US" sz="1700" b="1" dirty="0"/>
-              <a:t>DATA THAT WAS UTILIZED?</a:t>
-            </a:r>
-          </a:p>
-          <a:p>
-            <a:pPr algn="l"/>
-            <a:endParaRPr lang="en-US" sz="1600" b="1" dirty="0"/>
-          </a:p>
-          <a:p>
-            <a:pPr marL="800100" lvl="1" indent="-342900" algn="l">
-              <a:buFont typeface="Arial" panose="020B0604020202020204" pitchFamily="34" charset="0"/>
-              <a:buChar char="•"/>
-            </a:pPr>
-            <a:r>
-              <a:rPr lang="en-US" sz="1400" dirty="0"/>
-              <a:t>CAB COMPANY </a:t>
-            </a:r>
-          </a:p>
-          <a:p>
-            <a:pPr marL="800100" lvl="1" indent="-342900" algn="l">
-              <a:buFont typeface="Arial" panose="020B0604020202020204" pitchFamily="34" charset="0"/>
-              <a:buChar char="•"/>
-            </a:pPr>
-            <a:r>
-              <a:rPr lang="en-US" sz="1400" dirty="0"/>
-              <a:t>CITY </a:t>
-            </a:r>
-          </a:p>
-          <a:p>
-            <a:pPr marL="800100" lvl="1" indent="-342900" algn="l">
-              <a:buFont typeface="Arial" panose="020B0604020202020204" pitchFamily="34" charset="0"/>
-              <a:buChar char="•"/>
-            </a:pPr>
-            <a:r>
-              <a:rPr lang="en-US" sz="1400" dirty="0"/>
-              <a:t>CUSTOMER </a:t>
-            </a:r>
-          </a:p>
-          <a:p>
-            <a:pPr marL="800100" lvl="1" indent="-342900" algn="l">
-              <a:buFont typeface="Arial" panose="020B0604020202020204" pitchFamily="34" charset="0"/>
-              <a:buChar char="•"/>
-            </a:pPr>
-            <a:r>
-              <a:rPr lang="en-US" sz="1400" dirty="0"/>
-              <a:t>TRANSACTION</a:t>
-            </a:r>
-          </a:p>
-          <a:p>
-            <a:pPr lvl="1" algn="l"/>
-            <a:endParaRPr lang="en-US" sz="1400" dirty="0"/>
-          </a:p>
-          <a:p>
-            <a:pPr marL="742950" lvl="1" indent="-285750" algn="l">
-              <a:buFont typeface="Arial" panose="020B0604020202020204" pitchFamily="34" charset="0"/>
-              <a:buChar char="•"/>
-            </a:pPr>
-            <a:endParaRPr lang="en-US" sz="1200" dirty="0"/>
-          </a:p>
-          <a:p>
-            <a:pPr algn="l"/>
-            <a:endParaRPr lang="en-US" sz="1600" dirty="0"/>
-          </a:p>
-          <a:p>
-            <a:pPr lvl="1" algn="l"/>
-            <a:endParaRPr lang="en-US" sz="1400" dirty="0"/>
-          </a:p>
-          <a:p>
-            <a:pPr marL="742950" lvl="1" indent="-285750" algn="l">
-              <a:buFont typeface="Arial" panose="020B0604020202020204" pitchFamily="34" charset="0"/>
-              <a:buChar char="•"/>
-            </a:pPr>
-            <a:endParaRPr lang="en-US" sz="1400" dirty="0"/>
-          </a:p>
-          <a:p>
-            <a:pPr marL="742950" lvl="1" indent="-285750" algn="l">
-              <a:buFont typeface="Arial" panose="020B0604020202020204" pitchFamily="34" charset="0"/>
-              <a:buChar char="•"/>
-            </a:pPr>
-            <a:endParaRPr lang="en-US" sz="1400" dirty="0"/>
-          </a:p>
-          <a:p>
-            <a:pPr marL="742950" lvl="1" indent="-285750" algn="l">
-              <a:buFont typeface="Arial" panose="020B0604020202020204" pitchFamily="34" charset="0"/>
-              <a:buChar char="•"/>
-            </a:pPr>
-            <a:endParaRPr lang="en-US" sz="1400" dirty="0"/>
+            <a:endParaRPr lang="en-US" sz="1300" dirty="0"/>
           </a:p>
           <a:p>
             <a:pPr lvl="2" algn="l"/>
@@ -11130,7 +11069,7 @@
     </p:spTree>
     <p:extLst>
       <p:ext uri="{BB962C8B-B14F-4D97-AF65-F5344CB8AC3E}">
-        <p14:creationId xmlns:p14="http://schemas.microsoft.com/office/powerpoint/2010/main" val="1881472961"/>
+        <p14:creationId xmlns:p14="http://schemas.microsoft.com/office/powerpoint/2010/main" val="1999338405"/>
       </p:ext>
     </p:extLst>
   </p:cSld>
@@ -14199,7 +14138,7 @@
               </a:rPr>
             </a:br>
             <a:r>
-              <a:rPr lang="en-US" b="1" dirty="0">
+              <a:rPr lang="en-US" sz="3600" b="1" dirty="0">
                 <a:solidFill>
                   <a:srgbClr val="FF6600"/>
                 </a:solidFill>
@@ -15592,7 +15531,7 @@
         <p:spPr>
           <a:xfrm>
             <a:off x="2804242" y="4621223"/>
-            <a:ext cx="6583512" cy="1200329"/>
+            <a:ext cx="6583512" cy="1477328"/>
           </a:xfrm>
           <a:prstGeom prst="rect">
             <a:avLst/>
@@ -15628,7 +15567,7 @@
             </a:pPr>
             <a:r>
               <a:rPr lang="en-US" dirty="0"/>
-              <a:t>SUGGESTING NO EFFECT OF AGE ON BRAND PREFFERENCE</a:t>
+              <a:t>SUGGESTING NO SIGNIFICANT EFFECT OF AGE ON BRAND PREFFERENCE</a:t>
             </a:r>
           </a:p>
         </p:txBody>
@@ -17293,18 +17232,18 @@
         </p:nvSpPr>
         <p:spPr>
           <a:xfrm>
-            <a:off x="2626408" y="734931"/>
+            <a:off x="2310213" y="149536"/>
             <a:ext cx="9144000" cy="6413633"/>
           </a:xfrm>
         </p:spPr>
         <p:txBody>
           <a:bodyPr>
-            <a:normAutofit fontScale="92500" lnSpcReduction="20000"/>
+            <a:normAutofit fontScale="92500" lnSpcReduction="10000"/>
           </a:bodyPr>
           <a:lstStyle/>
           <a:p>
             <a:pPr algn="l"/>
-            <a:endParaRPr lang="en-US" sz="2000" dirty="0"/>
+            <a:endParaRPr lang="en-US" sz="1800" b="1" dirty="0"/>
           </a:p>
           <a:p>
             <a:pPr marL="285750" indent="-285750" algn="l">
@@ -17312,16 +17251,34 @@
               <a:buChar char="Ø"/>
             </a:pPr>
             <a:r>
-              <a:rPr lang="en-US" sz="1900" b="1" dirty="0"/>
-              <a:t>RECOMMENDATIONS</a:t>
+              <a:rPr lang="en-US" sz="1700" b="1" dirty="0"/>
+              <a:t>AN AD-HOC ANALYSIS OF </a:t>
             </a:r>
-          </a:p>
-          <a:p>
-            <a:pPr algn="l"/>
             <a:r>
-              <a:rPr lang="en-US" sz="1600" dirty="0"/>
-              <a:t> </a:t>
+              <a:rPr lang="en-US" sz="1600" b="1" dirty="0"/>
+              <a:t>PINK &amp; YELLOW CAB YIELDED INTERESTING &amp; USEFUL INSIGHTS</a:t>
             </a:r>
+          </a:p>
+          <a:p>
+            <a:pPr marL="342900" indent="-342900" algn="l">
+              <a:buFont typeface="Wingdings" panose="05000000000000000000" pitchFamily="2" charset="2"/>
+              <a:buChar char="Ø"/>
+            </a:pPr>
+            <a:endParaRPr lang="en-US" sz="1600" b="1" dirty="0"/>
+          </a:p>
+          <a:p>
+            <a:pPr marL="285750" indent="-285750" algn="l">
+              <a:buFont typeface="Wingdings" panose="05000000000000000000" pitchFamily="2" charset="2"/>
+              <a:buChar char="Ø"/>
+            </a:pPr>
+            <a:r>
+              <a:rPr lang="en-US" sz="1700" b="1" dirty="0"/>
+              <a:t>KEY FINDINGS:</a:t>
+            </a:r>
+          </a:p>
+          <a:p>
+            <a:pPr lvl="1" algn="l"/>
+            <a:endParaRPr lang="en-US" sz="1400" dirty="0"/>
           </a:p>
           <a:p>
             <a:pPr marL="742950" lvl="1" indent="-285750" algn="l">
@@ -17329,13 +17286,9 @@
               <a:buChar char="•"/>
             </a:pPr>
             <a:r>
-              <a:rPr lang="en-US" sz="1700" b="1" dirty="0"/>
-              <a:t>ANALYZE DATA OF BOTH COMPANIES INCLUDING FIXED &amp; VARIABLE COSTS OVER A MUCH LONGER TIMEFRAME</a:t>
+              <a:rPr lang="en-US" sz="1400" dirty="0"/>
+              <a:t>YELLOW CAB’S PROFIT MARGINS ARE GREATER IN MAGNITUDE AND MORE HOMOGENEOUS THAN PINK CAB’S </a:t>
             </a:r>
-          </a:p>
-          <a:p>
-            <a:pPr lvl="1" algn="l"/>
-            <a:endParaRPr lang="en-US" sz="1700" dirty="0"/>
           </a:p>
           <a:p>
             <a:pPr marL="742950" lvl="1" indent="-285750" algn="l">
@@ -17343,13 +17296,9 @@
               <a:buChar char="•"/>
             </a:pPr>
             <a:r>
-              <a:rPr lang="en-US" sz="1700" b="1" dirty="0"/>
-              <a:t>CONFIRM NEGATIVE PROFIT TREND </a:t>
+              <a:rPr lang="en-US" sz="1400" dirty="0"/>
+              <a:t>OVER THE LAST THREE YEARS, YELLOW CAB LEAD IN CUSTOMER RECIDIVISM </a:t>
             </a:r>
-          </a:p>
-          <a:p>
-            <a:pPr lvl="1" algn="l"/>
-            <a:endParaRPr lang="en-US" sz="1700" dirty="0"/>
           </a:p>
           <a:p>
             <a:pPr marL="742950" lvl="1" indent="-285750" algn="l">
@@ -17357,8 +17306,137 @@
               <a:buChar char="•"/>
             </a:pPr>
             <a:r>
+              <a:rPr lang="en-US" sz="1400" dirty="0"/>
+              <a:t>PRICING &amp; A MORE ESTABLISHED CUSTOMER BASE ARE THE LARGEST CONTRIBUTORS TO YELLOW CAB’S HIGHER PROFIT SHARE</a:t>
+            </a:r>
+          </a:p>
+          <a:p>
+            <a:pPr marL="742950" lvl="1" indent="-285750" algn="l">
+              <a:buFont typeface="Arial" panose="020B0604020202020204" pitchFamily="34" charset="0"/>
+              <a:buChar char="•"/>
+            </a:pPr>
+            <a:r>
+              <a:rPr lang="en-US" sz="1400" dirty="0"/>
+              <a:t>YELLOW CAB MIGHT BE ABLE TO CHARGE HIGHER PRICES DUE TO BRANDING FACTORS</a:t>
+            </a:r>
+          </a:p>
+          <a:p>
+            <a:pPr marL="742950" lvl="1" indent="-285750" algn="l">
+              <a:buFont typeface="Arial" panose="020B0604020202020204" pitchFamily="34" charset="0"/>
+              <a:buChar char="•"/>
+            </a:pPr>
+            <a:r>
+              <a:rPr lang="en-US" sz="1400" dirty="0"/>
+              <a:t>PROFITS FOR BOTH PINK &amp; YELLOW CAB COMPANIES FOLLOW A PREDICTABLE SEASONAL CYCLE </a:t>
+            </a:r>
+          </a:p>
+          <a:p>
+            <a:pPr marL="742950" lvl="1" indent="-285750" algn="l">
+              <a:buFont typeface="Arial" panose="020B0604020202020204" pitchFamily="34" charset="0"/>
+              <a:buChar char="•"/>
+            </a:pPr>
+            <a:r>
+              <a:rPr lang="en-US" sz="1400" dirty="0"/>
+              <a:t>PROFITS FOR BOTH COMPANIES HIT ALL-TIME LOWS IN JANUARY OF 2018</a:t>
+            </a:r>
+          </a:p>
+          <a:p>
+            <a:pPr marL="742950" lvl="1" indent="-285750" algn="l">
+              <a:buFont typeface="Arial" panose="020B0604020202020204" pitchFamily="34" charset="0"/>
+              <a:buChar char="•"/>
+            </a:pPr>
+            <a:r>
+              <a:rPr lang="en-US" sz="1400" dirty="0"/>
+              <a:t>THE PROFIT TREND FOR BOTH COMPANIES IS NEGATIVE AND QUADRATIC IN NATURE</a:t>
+            </a:r>
+          </a:p>
+          <a:p>
+            <a:pPr marL="742950" lvl="1" indent="-285750" algn="l">
+              <a:buFont typeface="Arial" panose="020B0604020202020204" pitchFamily="34" charset="0"/>
+              <a:buChar char="•"/>
+            </a:pPr>
+            <a:r>
+              <a:rPr lang="en-US" sz="1400" dirty="0"/>
+              <a:t>MORE RESEARCH OVER A LONGER TIMEFRAME THAT INCLUDES RIDESHARE DATA FOR COMPARISON</a:t>
+            </a:r>
+          </a:p>
+          <a:p>
+            <a:pPr lvl="1" algn="l"/>
+            <a:r>
+              <a:rPr lang="en-US" sz="1400" dirty="0"/>
+              <a:t>        WOULD BE BENEFICIAL</a:t>
+            </a:r>
+          </a:p>
+          <a:p>
+            <a:pPr algn="l"/>
+            <a:endParaRPr lang="en-US" sz="1600" b="1" dirty="0"/>
+          </a:p>
+          <a:p>
+            <a:pPr marL="342900" indent="-342900" algn="l">
+              <a:buFont typeface="Wingdings" panose="05000000000000000000" pitchFamily="2" charset="2"/>
+              <a:buChar char="Ø"/>
+            </a:pPr>
+            <a:r>
               <a:rPr lang="en-US" sz="1700" b="1" dirty="0"/>
-              <a:t>IF PROFIT TREND IS NON-NEGATIVE</a:t>
+              <a:t>THESE INSIGHTS WILL AID ‘XYZ’ IN MAKING A FINAL DECISION ON WHICH COMPANY TO ACQUIRE</a:t>
+            </a:r>
+          </a:p>
+          <a:p>
+            <a:pPr algn="l"/>
+            <a:endParaRPr lang="en-US" sz="1600" dirty="0"/>
+          </a:p>
+          <a:p>
+            <a:pPr marL="342900" indent="-342900" algn="l">
+              <a:buFont typeface="Wingdings" panose="05000000000000000000" pitchFamily="2" charset="2"/>
+              <a:buChar char="Ø"/>
+            </a:pPr>
+            <a:r>
+              <a:rPr lang="en-US" sz="1700" b="1" dirty="0"/>
+              <a:t>DATA THAT WAS UTILIZED?</a:t>
+            </a:r>
+          </a:p>
+          <a:p>
+            <a:pPr algn="l"/>
+            <a:endParaRPr lang="en-US" sz="1600" b="1" dirty="0"/>
+          </a:p>
+          <a:p>
+            <a:pPr marL="800100" lvl="1" indent="-342900" algn="l">
+              <a:buFont typeface="Arial" panose="020B0604020202020204" pitchFamily="34" charset="0"/>
+              <a:buChar char="•"/>
+            </a:pPr>
+            <a:r>
+              <a:rPr lang="en-US" sz="1400" dirty="0"/>
+              <a:t>CAB COMPANY </a:t>
+            </a:r>
+          </a:p>
+          <a:p>
+            <a:pPr marL="800100" lvl="1" indent="-342900" algn="l">
+              <a:buFont typeface="Arial" panose="020B0604020202020204" pitchFamily="34" charset="0"/>
+              <a:buChar char="•"/>
+            </a:pPr>
+            <a:r>
+              <a:rPr lang="en-US" sz="1400" dirty="0"/>
+              <a:t>CITY </a:t>
+            </a:r>
+          </a:p>
+          <a:p>
+            <a:pPr marL="800100" lvl="1" indent="-342900" algn="l">
+              <a:buFont typeface="Arial" panose="020B0604020202020204" pitchFamily="34" charset="0"/>
+              <a:buChar char="•"/>
+            </a:pPr>
+            <a:r>
+              <a:rPr lang="en-US" sz="1400" dirty="0"/>
+              <a:t>CUSTOMER </a:t>
+            </a:r>
+          </a:p>
+          <a:p>
+            <a:pPr marL="800100" lvl="1" indent="-342900" algn="l">
+              <a:buFont typeface="Arial" panose="020B0604020202020204" pitchFamily="34" charset="0"/>
+              <a:buChar char="•"/>
+            </a:pPr>
+            <a:r>
+              <a:rPr lang="en-US" sz="1400" dirty="0"/>
+              <a:t>TRANSACTION</a:t>
             </a:r>
           </a:p>
           <a:p>
@@ -17366,48 +17444,19 @@
             <a:endParaRPr lang="en-US" sz="1400" dirty="0"/>
           </a:p>
           <a:p>
-            <a:pPr marL="2114550" lvl="4" indent="-285750" algn="l">
-              <a:buFont typeface="Courier New" panose="02070309020205020404" pitchFamily="49" charset="0"/>
-              <a:buChar char="o"/>
+            <a:pPr marL="742950" lvl="1" indent="-285750" algn="l">
+              <a:buFont typeface="Arial" panose="020B0604020202020204" pitchFamily="34" charset="0"/>
+              <a:buChar char="•"/>
             </a:pPr>
-            <a:r>
-              <a:rPr lang="en-US" sz="1500" dirty="0"/>
-              <a:t>ACQUIRE YELLOW CAB</a:t>
-            </a:r>
-          </a:p>
-          <a:p>
-            <a:pPr marL="2114550" lvl="4" indent="-285750" algn="l">
-              <a:buFont typeface="Courier New" panose="02070309020205020404" pitchFamily="49" charset="0"/>
-              <a:buChar char="o"/>
-            </a:pPr>
-            <a:r>
-              <a:rPr lang="en-US" sz="1500" dirty="0"/>
-              <a:t>FOCUS ON LOWERING FIXED AND VARIABLE COST </a:t>
-            </a:r>
-          </a:p>
-          <a:p>
-            <a:pPr marL="2114550" lvl="4" indent="-285750" algn="l">
-              <a:buFont typeface="Courier New" panose="02070309020205020404" pitchFamily="49" charset="0"/>
-              <a:buChar char="o"/>
-            </a:pPr>
-            <a:r>
-              <a:rPr lang="en-US" sz="1500" dirty="0"/>
-              <a:t>MAXIMIZING PROFIT</a:t>
-            </a:r>
-          </a:p>
-          <a:p>
-            <a:pPr marL="2114550" lvl="4" indent="-285750" algn="l">
-              <a:buFont typeface="Courier New" panose="02070309020205020404" pitchFamily="49" charset="0"/>
-              <a:buChar char="o"/>
-            </a:pPr>
-            <a:r>
-              <a:rPr lang="en-US" sz="1500" dirty="0"/>
-              <a:t>REMAINING COMPETITIVE WITH RIDESHARE INDUSTY &amp; OTHER TRADITIONAL COMPANIES</a:t>
-            </a:r>
-          </a:p>
-          <a:p>
-            <a:pPr lvl="4" algn="l"/>
-            <a:endParaRPr lang="en-US" sz="1000" dirty="0"/>
+            <a:endParaRPr lang="en-US" sz="1200" dirty="0"/>
+          </a:p>
+          <a:p>
+            <a:pPr algn="l"/>
+            <a:endParaRPr lang="en-US" sz="1600" dirty="0"/>
+          </a:p>
+          <a:p>
+            <a:pPr lvl="1" algn="l"/>
+            <a:endParaRPr lang="en-US" sz="1400" dirty="0"/>
           </a:p>
           <a:p>
             <a:pPr marL="742950" lvl="1" indent="-285750" algn="l">
@@ -17421,97 +17470,6 @@
               <a:buFont typeface="Arial" panose="020B0604020202020204" pitchFamily="34" charset="0"/>
               <a:buChar char="•"/>
             </a:pPr>
-            <a:r>
-              <a:rPr lang="en-US" sz="1500" b="1" dirty="0"/>
-              <a:t>IF PROFIT TREND IS NEGATIVE</a:t>
-            </a:r>
-          </a:p>
-          <a:p>
-            <a:pPr lvl="1" algn="l"/>
-            <a:endParaRPr lang="en-US" sz="1400" dirty="0"/>
-          </a:p>
-          <a:p>
-            <a:pPr marL="2000250" lvl="4" indent="-171450" algn="l">
-              <a:buFont typeface="Courier New" panose="02070309020205020404" pitchFamily="49" charset="0"/>
-              <a:buChar char="o"/>
-            </a:pPr>
-            <a:r>
-              <a:rPr lang="en-US" sz="1500" dirty="0"/>
-              <a:t>REVIEW FIXED AND VARIABLE COSTS OF BOTH COMPANIES</a:t>
-            </a:r>
-          </a:p>
-          <a:p>
-            <a:pPr marL="2000250" lvl="4" indent="-171450" algn="l">
-              <a:buFont typeface="Courier New" panose="02070309020205020404" pitchFamily="49" charset="0"/>
-              <a:buChar char="o"/>
-            </a:pPr>
-            <a:r>
-              <a:rPr lang="en-US" sz="1500" dirty="0"/>
-              <a:t>IDENTIFY INTERVENTIONS &amp; PERFORM NEW FORECASTS</a:t>
-            </a:r>
-          </a:p>
-          <a:p>
-            <a:pPr marL="2000250" lvl="4" indent="-171450" algn="l">
-              <a:buFont typeface="Courier New" panose="02070309020205020404" pitchFamily="49" charset="0"/>
-              <a:buChar char="o"/>
-            </a:pPr>
-            <a:r>
-              <a:rPr lang="en-US" sz="1500" dirty="0"/>
-              <a:t>IF DECLINE IN PROFITS IS A RESULT OF THE RIDESHARE INDUSTRY</a:t>
-            </a:r>
-          </a:p>
-          <a:p>
-            <a:pPr marL="2000250" lvl="4" indent="-171450" algn="l">
-              <a:buFont typeface="Courier New" panose="02070309020205020404" pitchFamily="49" charset="0"/>
-              <a:buChar char="o"/>
-            </a:pPr>
-            <a:r>
-              <a:rPr lang="en-US" sz="1500" dirty="0"/>
-              <a:t>DO NOT BUY A TRADITIONAL CAB COMPANY</a:t>
-            </a:r>
-          </a:p>
-          <a:p>
-            <a:pPr lvl="4" algn="l"/>
-            <a:r>
-              <a:rPr lang="en-US" sz="1000" dirty="0"/>
-              <a:t>  </a:t>
-            </a:r>
-          </a:p>
-          <a:p>
-            <a:pPr marL="2000250" lvl="4" indent="-171450" algn="l">
-              <a:buFont typeface="Courier New" panose="02070309020205020404" pitchFamily="49" charset="0"/>
-              <a:buChar char="o"/>
-            </a:pPr>
-            <a:endParaRPr lang="en-US" sz="1000" dirty="0"/>
-          </a:p>
-          <a:p>
-            <a:pPr marL="2457450" lvl="5" indent="-171450" algn="l">
-              <a:buFont typeface="Courier New" panose="02070309020205020404" pitchFamily="49" charset="0"/>
-              <a:buChar char="o"/>
-            </a:pPr>
-            <a:endParaRPr lang="en-US" sz="1000" dirty="0"/>
-          </a:p>
-          <a:p>
-            <a:pPr marL="2457450" lvl="5" indent="-171450" algn="l">
-              <a:buFont typeface="Courier New" panose="02070309020205020404" pitchFamily="49" charset="0"/>
-              <a:buChar char="o"/>
-            </a:pPr>
-            <a:endParaRPr lang="en-US" sz="1000" dirty="0"/>
-          </a:p>
-          <a:p>
-            <a:pPr algn="l"/>
-            <a:r>
-              <a:rPr lang="en-US" sz="1800" dirty="0"/>
-              <a:t>	</a:t>
-            </a:r>
-            <a:endParaRPr lang="en-US" sz="1400" dirty="0"/>
-          </a:p>
-          <a:p>
-            <a:pPr lvl="1" algn="l"/>
-            <a:endParaRPr lang="en-US" sz="1400" dirty="0"/>
-          </a:p>
-          <a:p>
-            <a:pPr lvl="1" algn="l"/>
             <a:endParaRPr lang="en-US" sz="1400" dirty="0"/>
           </a:p>
           <a:p>
@@ -17522,13 +17480,6 @@
             <a:endParaRPr lang="en-US" sz="1400" dirty="0"/>
           </a:p>
           <a:p>
-            <a:pPr marL="742950" lvl="1" indent="-285750" algn="l">
-              <a:buFont typeface="Arial" panose="020B0604020202020204" pitchFamily="34" charset="0"/>
-              <a:buChar char="•"/>
-            </a:pPr>
-            <a:endParaRPr lang="en-US" sz="1400" dirty="0"/>
-          </a:p>
-          <a:p>
             <a:pPr lvl="2" algn="l"/>
             <a:endParaRPr lang="en-US" sz="1200" dirty="0"/>
           </a:p>
@@ -17567,7 +17518,7 @@
     </p:spTree>
     <p:extLst>
       <p:ext uri="{BB962C8B-B14F-4D97-AF65-F5344CB8AC3E}">
-        <p14:creationId xmlns:p14="http://schemas.microsoft.com/office/powerpoint/2010/main" val="1777372526"/>
+        <p14:creationId xmlns:p14="http://schemas.microsoft.com/office/powerpoint/2010/main" val="1881472961"/>
       </p:ext>
     </p:extLst>
   </p:cSld>
@@ -17638,7 +17589,7 @@
               </a:rPr>
             </a:br>
             <a:r>
-              <a:rPr lang="en-US" b="1" dirty="0">
+              <a:rPr lang="en-US" sz="4000" b="1" dirty="0">
                 <a:solidFill>
                   <a:srgbClr val="FF6600"/>
                 </a:solidFill>
@@ -21976,8 +21927,8 @@
           <a:effectLst/>
         </p:spPr>
       </p:pic>
-      <mc:AlternateContent xmlns:mc="http://schemas.openxmlformats.org/markup-compatibility/2006">
-        <mc:Choice xmlns:a14="http://schemas.microsoft.com/office/drawing/2010/main" Requires="a14">
+      <mc:AlternateContent xmlns:mc="http://schemas.openxmlformats.org/markup-compatibility/2006" xmlns:a14="http://schemas.microsoft.com/office/drawing/2010/main">
+        <mc:Choice Requires="a14">
           <p:sp>
             <p:nvSpPr>
               <p:cNvPr id="13" name="TextBox 12">
@@ -22106,7 +22057,7 @@
             </p:txBody>
           </p:sp>
         </mc:Choice>
-        <mc:Fallback>
+        <mc:Fallback xmlns="">
           <p:sp>
             <p:nvSpPr>
               <p:cNvPr id="13" name="TextBox 12">
@@ -23090,7 +23041,7 @@
     </p:spTree>
     <p:extLst>
       <p:ext uri="{BB962C8B-B14F-4D97-AF65-F5344CB8AC3E}">
-        <p14:creationId xmlns:p14="http://schemas.microsoft.com/office/powerpoint/2010/main" val="1150993372"/>
+        <p14:creationId xmlns:p14="http://schemas.microsoft.com/office/powerpoint/2010/main" val="2032415232"/>
       </p:ext>
     </p:extLst>
   </p:cSld>
@@ -23297,8 +23248,8 @@
         </p:nvSpPr>
         <p:spPr>
           <a:xfrm rot="5400000">
-            <a:off x="-2262500" y="2262500"/>
-            <a:ext cx="6858002" cy="2333002"/>
+            <a:off x="-2330867" y="2330866"/>
+            <a:ext cx="6858002" cy="2196269"/>
           </a:xfrm>
           <a:solidFill>
             <a:srgbClr val="3B3B3B"/>
@@ -23323,10 +23274,14 @@
                   <a:srgbClr val="FF6600"/>
                 </a:solidFill>
               </a:rPr>
-              <a:t>GENERAL</a:t>
+              <a:t>EXECUTIVE</a:t>
             </a:r>
             <a:br>
-              <a:rPr lang="en-US" b="1" dirty="0"/>
+              <a:rPr lang="en-US" sz="2800" b="1" dirty="0">
+                <a:solidFill>
+                  <a:srgbClr val="FF6600"/>
+                </a:solidFill>
+              </a:rPr>
             </a:br>
             <a:r>
               <a:rPr lang="en-US" sz="2800" b="1" dirty="0">
@@ -23334,20 +23289,8 @@
                   <a:srgbClr val="FF6600"/>
                 </a:solidFill>
               </a:rPr>
-              <a:t>ASSUMPTIONS</a:t>
+              <a:t>SUMMARY</a:t>
             </a:r>
-            <a:br>
-              <a:rPr lang="en-US" sz="2800" b="1" dirty="0">
-                <a:solidFill>
-                  <a:srgbClr val="FF6600"/>
-                </a:solidFill>
-              </a:rPr>
-            </a:br>
-            <a:endParaRPr lang="en-US" sz="2800" b="1" dirty="0">
-              <a:solidFill>
-                <a:srgbClr val="FF6600"/>
-              </a:solidFill>
-            </a:endParaRPr>
           </a:p>
         </p:txBody>
       </p:sp>
@@ -23405,18 +23348,203 @@
         </p:nvSpPr>
         <p:spPr>
           <a:xfrm>
-            <a:off x="2811565" y="222183"/>
+            <a:off x="2626408" y="734931"/>
             <a:ext cx="9144000" cy="6413633"/>
           </a:xfrm>
         </p:spPr>
         <p:txBody>
           <a:bodyPr>
-            <a:normAutofit/>
+            <a:normAutofit fontScale="92500" lnSpcReduction="20000"/>
           </a:bodyPr>
           <a:lstStyle/>
           <a:p>
+            <a:pPr algn="l"/>
+            <a:endParaRPr lang="en-US" sz="2000" dirty="0"/>
+          </a:p>
+          <a:p>
+            <a:pPr marL="285750" indent="-285750" algn="l">
+              <a:buFont typeface="Wingdings" panose="05000000000000000000" pitchFamily="2" charset="2"/>
+              <a:buChar char="Ø"/>
+            </a:pPr>
+            <a:r>
+              <a:rPr lang="en-US" sz="1900" b="1" dirty="0"/>
+              <a:t>RECOMMENDATIONS</a:t>
+            </a:r>
+          </a:p>
+          <a:p>
+            <a:pPr algn="l"/>
+            <a:r>
+              <a:rPr lang="en-US" sz="1600" dirty="0"/>
+              <a:t> </a:t>
+            </a:r>
+          </a:p>
+          <a:p>
+            <a:pPr marL="742950" lvl="1" indent="-285750" algn="l">
+              <a:buFont typeface="Arial" panose="020B0604020202020204" pitchFamily="34" charset="0"/>
+              <a:buChar char="•"/>
+            </a:pPr>
+            <a:r>
+              <a:rPr lang="en-US" sz="1700" b="1" dirty="0"/>
+              <a:t>ANALYZE DATA OF BOTH COMPANIES INCLUDING FIXED &amp; VARIABLE COSTS OVER A MUCH LONGER TIMEFRAME</a:t>
+            </a:r>
+          </a:p>
+          <a:p>
+            <a:pPr lvl="1" algn="l"/>
+            <a:endParaRPr lang="en-US" sz="1700" dirty="0"/>
+          </a:p>
+          <a:p>
+            <a:pPr marL="742950" lvl="1" indent="-285750" algn="l">
+              <a:buFont typeface="Arial" panose="020B0604020202020204" pitchFamily="34" charset="0"/>
+              <a:buChar char="•"/>
+            </a:pPr>
+            <a:r>
+              <a:rPr lang="en-US" sz="1700" b="1" dirty="0"/>
+              <a:t>CONFIRM NEGATIVE PROFIT TRENDS </a:t>
+            </a:r>
+          </a:p>
+          <a:p>
+            <a:pPr lvl="1" algn="l"/>
+            <a:endParaRPr lang="en-US" sz="1700" dirty="0"/>
+          </a:p>
+          <a:p>
+            <a:pPr marL="742950" lvl="1" indent="-285750" algn="l">
+              <a:buFont typeface="Arial" panose="020B0604020202020204" pitchFamily="34" charset="0"/>
+              <a:buChar char="•"/>
+            </a:pPr>
+            <a:r>
+              <a:rPr lang="en-US" sz="1700" b="1" dirty="0"/>
+              <a:t>IF PROFIT TRENDS ARE NON-NEGATIVE</a:t>
+            </a:r>
+          </a:p>
+          <a:p>
+            <a:pPr lvl="1" algn="l"/>
+            <a:endParaRPr lang="en-US" sz="1400" dirty="0"/>
+          </a:p>
+          <a:p>
+            <a:pPr marL="2114550" lvl="4" indent="-285750" algn="l">
+              <a:buFont typeface="Courier New" panose="02070309020205020404" pitchFamily="49" charset="0"/>
+              <a:buChar char="o"/>
+            </a:pPr>
+            <a:r>
+              <a:rPr lang="en-US" sz="1500" dirty="0"/>
+              <a:t>ACQUIRE YELLOW CAB</a:t>
+            </a:r>
+          </a:p>
+          <a:p>
+            <a:pPr marL="2114550" lvl="4" indent="-285750" algn="l">
+              <a:buFont typeface="Courier New" panose="02070309020205020404" pitchFamily="49" charset="0"/>
+              <a:buChar char="o"/>
+            </a:pPr>
+            <a:r>
+              <a:rPr lang="en-US" sz="1500" dirty="0"/>
+              <a:t>FOCUS ON LOWERING FIXED AND VARIABLE COSTS</a:t>
+            </a:r>
+          </a:p>
+          <a:p>
+            <a:pPr marL="2114550" lvl="4" indent="-285750" algn="l">
+              <a:buFont typeface="Courier New" panose="02070309020205020404" pitchFamily="49" charset="0"/>
+              <a:buChar char="o"/>
+            </a:pPr>
+            <a:r>
+              <a:rPr lang="en-US" sz="1500" dirty="0"/>
+              <a:t>MAXIMIZING PROFITS</a:t>
+            </a:r>
+          </a:p>
+          <a:p>
+            <a:pPr marL="2114550" lvl="4" indent="-285750" algn="l">
+              <a:buFont typeface="Courier New" panose="02070309020205020404" pitchFamily="49" charset="0"/>
+              <a:buChar char="o"/>
+            </a:pPr>
+            <a:r>
+              <a:rPr lang="en-US" sz="1500" dirty="0"/>
+              <a:t>REMAINING COMPETITIVE WITH RIDESHARE INDUSTY &amp; OTHER TRADITIONAL COMPANIES</a:t>
+            </a:r>
+          </a:p>
+          <a:p>
             <a:pPr lvl="4" algn="l"/>
-            <a:endParaRPr lang="en-US" sz="2400" dirty="0"/>
+            <a:endParaRPr lang="en-US" sz="1000" dirty="0"/>
+          </a:p>
+          <a:p>
+            <a:pPr marL="742950" lvl="1" indent="-285750" algn="l">
+              <a:buFont typeface="Arial" panose="020B0604020202020204" pitchFamily="34" charset="0"/>
+              <a:buChar char="•"/>
+            </a:pPr>
+            <a:endParaRPr lang="en-US" sz="1400" dirty="0"/>
+          </a:p>
+          <a:p>
+            <a:pPr marL="742950" lvl="1" indent="-285750" algn="l">
+              <a:buFont typeface="Arial" panose="020B0604020202020204" pitchFamily="34" charset="0"/>
+              <a:buChar char="•"/>
+            </a:pPr>
+            <a:r>
+              <a:rPr lang="en-US" sz="1500" b="1" dirty="0"/>
+              <a:t>IF PROFIT TRENDS ARE NEGATIVE</a:t>
+            </a:r>
+          </a:p>
+          <a:p>
+            <a:pPr lvl="1" algn="l"/>
+            <a:endParaRPr lang="en-US" sz="1400" dirty="0"/>
+          </a:p>
+          <a:p>
+            <a:pPr marL="2000250" lvl="4" indent="-171450" algn="l">
+              <a:buFont typeface="Courier New" panose="02070309020205020404" pitchFamily="49" charset="0"/>
+              <a:buChar char="o"/>
+            </a:pPr>
+            <a:r>
+              <a:rPr lang="en-US" sz="1500" dirty="0"/>
+              <a:t>REVIEW FIXED AND VARIABLE COSTS OF BOTH COMPANIES</a:t>
+            </a:r>
+          </a:p>
+          <a:p>
+            <a:pPr marL="2000250" lvl="4" indent="-171450" algn="l">
+              <a:buFont typeface="Courier New" panose="02070309020205020404" pitchFamily="49" charset="0"/>
+              <a:buChar char="o"/>
+            </a:pPr>
+            <a:r>
+              <a:rPr lang="en-US" sz="1500" dirty="0"/>
+              <a:t>IDENTIFY INTERVENTIONS &amp; SIMULATE NEW FORECASTS THAT INCLUDE RIDESHARE DATA</a:t>
+            </a:r>
+          </a:p>
+          <a:p>
+            <a:pPr marL="2000250" lvl="4" indent="-171450" algn="l">
+              <a:buFont typeface="Courier New" panose="02070309020205020404" pitchFamily="49" charset="0"/>
+              <a:buChar char="o"/>
+            </a:pPr>
+            <a:r>
+              <a:rPr lang="en-US" sz="1500" dirty="0"/>
+              <a:t>IF DECLINE IN PROFITS IS A RESULT OF THE RIDESHARE INDUSTRY</a:t>
+            </a:r>
+          </a:p>
+          <a:p>
+            <a:pPr marL="2000250" lvl="4" indent="-171450" algn="l">
+              <a:buFont typeface="Courier New" panose="02070309020205020404" pitchFamily="49" charset="0"/>
+              <a:buChar char="o"/>
+            </a:pPr>
+            <a:r>
+              <a:rPr lang="en-US" sz="1500" dirty="0"/>
+              <a:t>BE CAUTIOUS ABOUT PURCHASING YELLOW CAB OR A TRADITIONAL CAB COMPANY</a:t>
+            </a:r>
+          </a:p>
+          <a:p>
+            <a:pPr lvl="4" algn="l"/>
+            <a:r>
+              <a:rPr lang="en-US" sz="1500" dirty="0"/>
+              <a:t>    UNLESS A WELL-ESTABLISHED RESTRUCTURING PLAN IS IN PLACE </a:t>
+            </a:r>
+          </a:p>
+          <a:p>
+            <a:pPr lvl="4" algn="l"/>
+            <a:r>
+              <a:rPr lang="en-US" sz="1000" dirty="0"/>
+              <a:t>  </a:t>
+            </a:r>
+          </a:p>
+          <a:p>
+            <a:pPr marL="2000250" lvl="4" indent="-171450" algn="l">
+              <a:buFont typeface="Courier New" panose="02070309020205020404" pitchFamily="49" charset="0"/>
+              <a:buChar char="o"/>
+            </a:pPr>
+            <a:endParaRPr lang="en-US" sz="1000" dirty="0"/>
           </a:p>
           <a:p>
             <a:pPr marL="2457450" lvl="5" indent="-171450" algn="l">
@@ -23441,140 +23569,26 @@
             <a:endParaRPr lang="en-US" sz="1400" dirty="0"/>
           </a:p>
           <a:p>
+            <a:pPr lvl="1" algn="l"/>
+            <a:endParaRPr lang="en-US" sz="1400" dirty="0"/>
+          </a:p>
+          <a:p>
+            <a:pPr lvl="1" algn="l"/>
+            <a:endParaRPr lang="en-US" sz="1400" dirty="0"/>
+          </a:p>
+          <a:p>
             <a:pPr marL="742950" lvl="1" indent="-285750" algn="l">
-              <a:buFont typeface="Wingdings" panose="05000000000000000000" pitchFamily="2" charset="2"/>
-              <a:buChar char="Ø"/>
-            </a:pPr>
-            <a:r>
-              <a:rPr lang="en-US" sz="1800" b="1" dirty="0"/>
-              <a:t>BOTH YELLOW &amp; PINK CAB ARE TRADITIONAL CAB COMPANIES</a:t>
-            </a:r>
-          </a:p>
-          <a:p>
-            <a:pPr marL="742950" lvl="1" indent="-285750" algn="l">
-              <a:buFont typeface="Wingdings" panose="05000000000000000000" pitchFamily="2" charset="2"/>
-              <a:buChar char="Ø"/>
-            </a:pPr>
-            <a:endParaRPr lang="en-US" sz="1400" dirty="0"/>
-          </a:p>
-          <a:p>
-            <a:pPr marL="1200150" lvl="2" indent="-285750" algn="l">
-              <a:buFont typeface="Arial" panose="020B0604020202020204" pitchFamily="34" charset="0"/>
-              <a:buChar char="•"/>
-            </a:pPr>
-            <a:r>
-              <a:rPr lang="en-US" sz="1400" dirty="0"/>
-              <a:t>THEY DO NOT HAVE THEIR ROOTS IN CONDUCTING ONLINE BUSINESS OR ONLINE TRANSACTIONS</a:t>
-            </a:r>
-          </a:p>
-          <a:p>
-            <a:pPr marL="1200150" lvl="2" indent="-285750" algn="l">
-              <a:buFont typeface="Arial" panose="020B0604020202020204" pitchFamily="34" charset="0"/>
-              <a:buChar char="•"/>
-            </a:pPr>
-            <a:r>
-              <a:rPr lang="en-US" sz="1400" dirty="0"/>
-              <a:t>BOTH COMPANIES DIRECT COMPETITIOR IS THE RIDESHARE INDUSTRY</a:t>
-            </a:r>
-          </a:p>
-          <a:p>
-            <a:pPr marL="1200150" lvl="2" indent="-285750" algn="l">
-              <a:buFont typeface="Arial" panose="020B0604020202020204" pitchFamily="34" charset="0"/>
-              <a:buChar char="•"/>
-            </a:pPr>
-            <a:r>
-              <a:rPr lang="en-US" sz="1400" dirty="0"/>
-              <a:t>YELLOW CAB IS THE DIRECT COMPETITOR OF PINK CAB</a:t>
-            </a:r>
-          </a:p>
-          <a:p>
-            <a:pPr marL="1200150" lvl="2" indent="-285750" algn="l">
               <a:buFont typeface="Arial" panose="020B0604020202020204" pitchFamily="34" charset="0"/>
               <a:buChar char="•"/>
             </a:pPr>
             <a:endParaRPr lang="en-US" sz="1400" dirty="0"/>
           </a:p>
           <a:p>
-            <a:pPr marL="1200150" lvl="2" indent="-285750" algn="l">
-              <a:buFont typeface="Arial" panose="020B0604020202020204" pitchFamily="34" charset="0"/>
-              <a:buChar char="•"/>
-            </a:pPr>
-            <a:endParaRPr lang="en-US" sz="800" dirty="0"/>
-          </a:p>
-          <a:p>
-            <a:pPr marL="742950" lvl="1" indent="-285750" algn="l">
-              <a:buFont typeface="Wingdings" panose="05000000000000000000" pitchFamily="2" charset="2"/>
-              <a:buChar char="Ø"/>
-            </a:pPr>
-            <a:r>
-              <a:rPr lang="en-US" sz="1800" b="1" dirty="0"/>
-              <a:t>PINK CAB IS NEW TO THE MARKET OR IS WELL ESTABLISHED</a:t>
-            </a:r>
-          </a:p>
-          <a:p>
-            <a:pPr marL="742950" lvl="1" indent="-285750" algn="l">
-              <a:buFont typeface="Wingdings" panose="05000000000000000000" pitchFamily="2" charset="2"/>
-              <a:buChar char="Ø"/>
-            </a:pPr>
-            <a:endParaRPr lang="en-US" sz="1400" dirty="0"/>
-          </a:p>
-          <a:p>
-            <a:pPr marL="1200150" lvl="2" indent="-285750" algn="l">
-              <a:buFont typeface="Arial" panose="020B0604020202020204" pitchFamily="34" charset="0"/>
-              <a:buChar char="•"/>
-            </a:pPr>
-            <a:r>
-              <a:rPr lang="en-US" sz="1400" dirty="0"/>
-              <a:t>WE CAN ASSUME EITHER, AND THE DATA FOLLOWS</a:t>
-            </a:r>
-          </a:p>
-          <a:p>
-            <a:pPr marL="742950" lvl="1" indent="-285750" algn="l">
-              <a:buFont typeface="Wingdings" panose="05000000000000000000" pitchFamily="2" charset="2"/>
-              <a:buChar char="Ø"/>
-            </a:pPr>
-            <a:endParaRPr lang="en-US" sz="1400" dirty="0"/>
-          </a:p>
-          <a:p>
-            <a:pPr marL="1200150" lvl="2" indent="-285750" algn="l">
-              <a:buFont typeface="Arial" panose="020B0604020202020204" pitchFamily="34" charset="0"/>
-              <a:buChar char="•"/>
-            </a:pPr>
-            <a:endParaRPr lang="en-US" sz="1200" dirty="0"/>
-          </a:p>
-          <a:p>
-            <a:pPr marL="742950" lvl="1" indent="-285750" algn="l">
-              <a:buFont typeface="Wingdings" panose="05000000000000000000" pitchFamily="2" charset="2"/>
-              <a:buChar char="Ø"/>
-            </a:pPr>
-            <a:r>
-              <a:rPr lang="en-US" sz="1800" b="1" dirty="0"/>
-              <a:t>YELLOW CAB IS AN ESTABLISHED COMPANY WITH A LONG HISTORY</a:t>
-            </a:r>
-          </a:p>
-          <a:p>
-            <a:pPr marL="742950" lvl="1" indent="-285750" algn="l">
-              <a:buFont typeface="Wingdings" panose="05000000000000000000" pitchFamily="2" charset="2"/>
-              <a:buChar char="Ø"/>
-            </a:pPr>
-            <a:endParaRPr lang="en-US" sz="1400" dirty="0"/>
-          </a:p>
-          <a:p>
-            <a:pPr marL="1200150" lvl="2" indent="-285750" algn="l">
-              <a:buFont typeface="Arial" panose="020B0604020202020204" pitchFamily="34" charset="0"/>
-              <a:buChar char="•"/>
-            </a:pPr>
-            <a:r>
-              <a:rPr lang="en-US" sz="1400" dirty="0"/>
-              <a:t>THE BRAND NAME AND ITS DATA SUGGESTS THIS, BUT NO WAY TO VERIFY</a:t>
-            </a:r>
-          </a:p>
-          <a:p>
             <a:pPr marL="742950" lvl="1" indent="-285750" algn="l">
               <a:buFont typeface="Arial" panose="020B0604020202020204" pitchFamily="34" charset="0"/>
               <a:buChar char="•"/>
             </a:pPr>
-            <a:endParaRPr lang="en-US" sz="1300" dirty="0"/>
+            <a:endParaRPr lang="en-US" sz="1400" dirty="0"/>
           </a:p>
           <a:p>
             <a:pPr lvl="2" algn="l"/>
@@ -23615,7 +23629,7 @@
     </p:spTree>
     <p:extLst>
       <p:ext uri="{BB962C8B-B14F-4D97-AF65-F5344CB8AC3E}">
-        <p14:creationId xmlns:p14="http://schemas.microsoft.com/office/powerpoint/2010/main" val="1999338405"/>
+        <p14:creationId xmlns:p14="http://schemas.microsoft.com/office/powerpoint/2010/main" val="1777372526"/>
       </p:ext>
     </p:extLst>
   </p:cSld>
@@ -23940,25 +23954,25 @@
               <a:buFont typeface="Arial" panose="020B0604020202020204" pitchFamily="34" charset="0"/>
               <a:buChar char="•"/>
             </a:pPr>
-            <a:endParaRPr lang="en-US" sz="1300" dirty="0"/>
+            <a:endParaRPr lang="en-US" sz="1400" dirty="0"/>
           </a:p>
           <a:p>
             <a:pPr marL="1200150" lvl="2" indent="-285750" algn="l">
               <a:buFont typeface="Arial" panose="020B0604020202020204" pitchFamily="34" charset="0"/>
               <a:buChar char="•"/>
             </a:pPr>
-            <a:endParaRPr lang="en-US" sz="1200" dirty="0"/>
+            <a:endParaRPr lang="en-US" sz="1400" dirty="0"/>
           </a:p>
           <a:p>
             <a:pPr marL="1200150" lvl="2" indent="-285750" algn="l">
               <a:buFont typeface="Arial" panose="020B0604020202020204" pitchFamily="34" charset="0"/>
               <a:buChar char="•"/>
             </a:pPr>
-            <a:endParaRPr lang="en-US" sz="800" dirty="0"/>
+            <a:endParaRPr lang="en-US" sz="1400" dirty="0"/>
           </a:p>
           <a:p>
             <a:pPr lvl="1" algn="l"/>
-            <a:endParaRPr lang="en-US" sz="1200" dirty="0"/>
+            <a:endParaRPr lang="en-US" sz="1400" dirty="0"/>
           </a:p>
           <a:p>
             <a:pPr marL="742950" lvl="1" indent="-285750" algn="l">
